--- a/Project Status Report 1.pptx
+++ b/Project Status Report 1.pptx
@@ -5,17 +5,18 @@
     <p:sldMasterId id="2147483648" r:id="rId2"/>
   </p:sldMasterIdLst>
   <p:notesMasterIdLst>
-    <p:notesMasterId r:id="rId11"/>
+    <p:notesMasterId r:id="rId12"/>
   </p:notesMasterIdLst>
   <p:sldIdLst>
     <p:sldId id="259" r:id="rId3"/>
     <p:sldId id="261" r:id="rId4"/>
     <p:sldId id="271" r:id="rId5"/>
     <p:sldId id="272" r:id="rId6"/>
-    <p:sldId id="269" r:id="rId7"/>
-    <p:sldId id="262" r:id="rId8"/>
-    <p:sldId id="267" r:id="rId9"/>
-    <p:sldId id="274" r:id="rId10"/>
+    <p:sldId id="275" r:id="rId7"/>
+    <p:sldId id="269" r:id="rId8"/>
+    <p:sldId id="262" r:id="rId9"/>
+    <p:sldId id="267" r:id="rId10"/>
+    <p:sldId id="274" r:id="rId11"/>
   </p:sldIdLst>
   <p:sldSz cx="9144000" cy="6858000" type="screen4x3"/>
   <p:notesSz cx="6858000" cy="9144000"/>
@@ -131,6 +132,7 @@
         </p14:section>
         <p14:section name="Status Update" id="{521DEF98-8796-4632-831A-16252E9A6054}">
           <p14:sldIdLst>
+            <p14:sldId id="275"/>
             <p14:sldId id="269"/>
             <p14:sldId id="262"/>
           </p14:sldIdLst>
@@ -253,7 +255,7 @@
           <a:p>
             <a:fld id="{724506C0-3FFE-45A5-803D-9F4FC5464A70}" type="datetimeFigureOut">
               <a:rPr lang="en-US" smtClean="0"/>
-              <a:t>3/10/2016</a:t>
+              <a:t>3/12/2016</a:t>
             </a:fld>
             <a:endParaRPr lang="en-US"/>
           </a:p>
@@ -1000,7 +1002,7 @@
             <a:fld id="{5E0C3846-8D4C-4326-8BC7-9B455A036298}" type="slidenum">
               <a:rPr lang="en-US" smtClean="0"/>
               <a:pPr/>
-              <a:t>6</a:t>
+              <a:t>7</a:t>
             </a:fld>
             <a:endParaRPr lang="en-US"/>
           </a:p>
@@ -1113,7 +1115,7 @@
             <a:fld id="{5E0C3846-8D4C-4326-8BC7-9B455A036298}" type="slidenum">
               <a:rPr lang="en-US" smtClean="0"/>
               <a:pPr/>
-              <a:t>8</a:t>
+              <a:t>9</a:t>
             </a:fld>
             <a:endParaRPr lang="en-US"/>
           </a:p>
@@ -1467,7 +1469,7 @@
           <a:p>
             <a:fld id="{F922158D-428B-4987-8B28-745A2AFA1252}" type="datetimeFigureOut">
               <a:rPr lang="en-US" smtClean="0"/>
-              <a:t>3/10/2016</a:t>
+              <a:t>3/12/2016</a:t>
             </a:fld>
             <a:endParaRPr lang="en-US"/>
           </a:p>
@@ -2060,7 +2062,7 @@
           <a:p>
             <a:fld id="{F922158D-428B-4987-8B28-745A2AFA1252}" type="datetimeFigureOut">
               <a:rPr lang="en-US" smtClean="0"/>
-              <a:t>3/10/2016</a:t>
+              <a:t>3/12/2016</a:t>
             </a:fld>
             <a:endParaRPr lang="en-US"/>
           </a:p>
@@ -2245,7 +2247,7 @@
           <a:p>
             <a:fld id="{F922158D-428B-4987-8B28-745A2AFA1252}" type="datetimeFigureOut">
               <a:rPr lang="en-US" smtClean="0"/>
-              <a:t>3/10/2016</a:t>
+              <a:t>3/12/2016</a:t>
             </a:fld>
             <a:endParaRPr lang="en-US"/>
           </a:p>
@@ -2561,7 +2563,7 @@
           <a:p>
             <a:fld id="{F922158D-428B-4987-8B28-745A2AFA1252}" type="datetimeFigureOut">
               <a:rPr lang="en-US" smtClean="0"/>
-              <a:t>3/10/2016</a:t>
+              <a:t>3/12/2016</a:t>
             </a:fld>
             <a:endParaRPr lang="en-US"/>
           </a:p>
@@ -2990,7 +2992,7 @@
           <a:p>
             <a:fld id="{F922158D-428B-4987-8B28-745A2AFA1252}" type="datetimeFigureOut">
               <a:rPr lang="en-US" smtClean="0"/>
-              <a:t>3/10/2016</a:t>
+              <a:t>3/12/2016</a:t>
             </a:fld>
             <a:endParaRPr lang="en-US"/>
           </a:p>
@@ -3287,7 +3289,7 @@
           <a:p>
             <a:fld id="{F922158D-428B-4987-8B28-745A2AFA1252}" type="datetimeFigureOut">
               <a:rPr lang="en-US" smtClean="0"/>
-              <a:t>3/10/2016</a:t>
+              <a:t>3/12/2016</a:t>
             </a:fld>
             <a:endParaRPr lang="en-US"/>
           </a:p>
@@ -3727,7 +3729,7 @@
           <a:p>
             <a:fld id="{F922158D-428B-4987-8B28-745A2AFA1252}" type="datetimeFigureOut">
               <a:rPr lang="en-US" smtClean="0"/>
-              <a:t>3/10/2016</a:t>
+              <a:t>3/12/2016</a:t>
             </a:fld>
             <a:endParaRPr lang="en-US"/>
           </a:p>
@@ -3856,7 +3858,7 @@
           <a:p>
             <a:fld id="{F922158D-428B-4987-8B28-745A2AFA1252}" type="datetimeFigureOut">
               <a:rPr lang="en-US" smtClean="0"/>
-              <a:t>3/10/2016</a:t>
+              <a:t>3/12/2016</a:t>
             </a:fld>
             <a:endParaRPr lang="en-US"/>
           </a:p>
@@ -3956,7 +3958,7 @@
           <a:p>
             <a:fld id="{F922158D-428B-4987-8B28-745A2AFA1252}" type="datetimeFigureOut">
               <a:rPr lang="en-US" smtClean="0"/>
-              <a:t>3/10/2016</a:t>
+              <a:t>3/12/2016</a:t>
             </a:fld>
             <a:endParaRPr lang="en-US"/>
           </a:p>
@@ -4240,7 +4242,7 @@
           <a:p>
             <a:fld id="{F922158D-428B-4987-8B28-745A2AFA1252}" type="datetimeFigureOut">
               <a:rPr lang="en-US" smtClean="0"/>
-              <a:t>3/10/2016</a:t>
+              <a:t>3/12/2016</a:t>
             </a:fld>
             <a:endParaRPr lang="en-US"/>
           </a:p>
@@ -4502,7 +4504,7 @@
           <a:p>
             <a:fld id="{F922158D-428B-4987-8B28-745A2AFA1252}" type="datetimeFigureOut">
               <a:rPr lang="en-US" smtClean="0"/>
-              <a:t>3/10/2016</a:t>
+              <a:t>3/12/2016</a:t>
             </a:fld>
             <a:endParaRPr lang="en-US"/>
           </a:p>
@@ -4720,7 +4722,7 @@
           <a:p>
             <a:fld id="{F922158D-428B-4987-8B28-745A2AFA1252}" type="datetimeFigureOut">
               <a:rPr lang="en-US" smtClean="0"/>
-              <a:t>3/10/2016</a:t>
+              <a:t>3/12/2016</a:t>
             </a:fld>
             <a:endParaRPr lang="en-US"/>
           </a:p>
@@ -5149,11 +5151,7 @@
           <a:p>
             <a:r>
               <a:rPr lang="en-US" dirty="0" smtClean="0"/>
-              <a:t>Project Status </a:t>
-            </a:r>
-            <a:r>
-              <a:rPr lang="en-US" dirty="0" smtClean="0"/>
-              <a:t>Report 1</a:t>
+              <a:t>Project Status Report 1</a:t>
             </a:r>
             <a:endParaRPr lang="en-US" dirty="0"/>
           </a:p>
@@ -5357,7 +5355,7 @@
         </p:blipFill>
         <p:spPr>
           <a:xfrm>
-            <a:off x="5168900" y="609600"/>
+            <a:off x="4953000" y="1360918"/>
             <a:ext cx="4000500" cy="3228975"/>
           </a:xfrm>
           <a:prstGeom prst="rect">
@@ -7200,6 +7198,106 @@
           <a:p>
             <a:r>
               <a:rPr lang="en-US" dirty="0" smtClean="0"/>
+              <a:t>Technology </a:t>
+            </a:r>
+            <a:r>
+              <a:rPr lang="en-US" dirty="0" smtClean="0"/>
+              <a:t>Requirements</a:t>
+            </a:r>
+            <a:endParaRPr lang="en-US" dirty="0"/>
+          </a:p>
+        </p:txBody>
+      </p:sp>
+      <p:sp>
+        <p:nvSpPr>
+          <p:cNvPr id="3" name="Content Placeholder 2"/>
+          <p:cNvSpPr>
+            <a:spLocks noGrp="1"/>
+          </p:cNvSpPr>
+          <p:nvPr>
+            <p:ph idx="1"/>
+          </p:nvPr>
+        </p:nvSpPr>
+        <p:spPr/>
+        <p:txBody>
+          <a:bodyPr>
+            <a:normAutofit/>
+          </a:bodyPr>
+          <a:lstStyle/>
+          <a:p>
+            <a:pPr marL="0" indent="0">
+              <a:buNone/>
+            </a:pPr>
+            <a:r>
+              <a:rPr lang="en-US" b="1" dirty="0" smtClean="0"/>
+              <a:t>ASP .NET</a:t>
+            </a:r>
+          </a:p>
+          <a:p>
+            <a:r>
+              <a:rPr lang="en-US" sz="1600" dirty="0" smtClean="0"/>
+              <a:t>Version 4.6.1 </a:t>
+            </a:r>
+          </a:p>
+          <a:p>
+            <a:r>
+              <a:rPr lang="en-US" sz="1600" dirty="0" smtClean="0"/>
+              <a:t>MVC 5</a:t>
+            </a:r>
+            <a:endParaRPr lang="en-US" sz="1600" dirty="0"/>
+          </a:p>
+        </p:txBody>
+      </p:sp>
+    </p:spTree>
+    <p:extLst>
+      <p:ext uri="{BB962C8B-B14F-4D97-AF65-F5344CB8AC3E}">
+        <p14:creationId xmlns:p14="http://schemas.microsoft.com/office/powerpoint/2010/main" val="3985448942"/>
+      </p:ext>
+    </p:extLst>
+  </p:cSld>
+  <p:clrMapOvr>
+    <a:masterClrMapping/>
+  </p:clrMapOvr>
+  <p:transition spd="slow">
+    <p:fade/>
+  </p:transition>
+</p:sld>
+</file>
+
+<file path=ppt/slides/slide6.xml><?xml version="1.0" encoding="utf-8"?>
+<p:sld xmlns:a="http://schemas.openxmlformats.org/drawingml/2006/main" xmlns:r="http://schemas.openxmlformats.org/officeDocument/2006/relationships" xmlns:p="http://schemas.openxmlformats.org/presentationml/2006/main">
+  <p:cSld>
+    <p:spTree>
+      <p:nvGrpSpPr>
+        <p:cNvPr id="1" name=""/>
+        <p:cNvGrpSpPr/>
+        <p:nvPr/>
+      </p:nvGrpSpPr>
+      <p:grpSpPr>
+        <a:xfrm>
+          <a:off x="0" y="0"/>
+          <a:ext cx="0" cy="0"/>
+          <a:chOff x="0" y="0"/>
+          <a:chExt cx="0" cy="0"/>
+        </a:xfrm>
+      </p:grpSpPr>
+      <p:sp>
+        <p:nvSpPr>
+          <p:cNvPr id="2" name="Title 1"/>
+          <p:cNvSpPr>
+            <a:spLocks noGrp="1"/>
+          </p:cNvSpPr>
+          <p:nvPr>
+            <p:ph type="title"/>
+          </p:nvPr>
+        </p:nvSpPr>
+        <p:spPr/>
+        <p:txBody>
+          <a:bodyPr/>
+          <a:lstStyle/>
+          <a:p>
+            <a:r>
+              <a:rPr lang="en-US" dirty="0" smtClean="0"/>
               <a:t>Progress Chart</a:t>
             </a:r>
             <a:endParaRPr lang="en-US" dirty="0"/>
@@ -7252,171 +7350,6 @@
 </p:sld>
 </file>
 
-<file path=ppt/slides/slide6.xml><?xml version="1.0" encoding="utf-8"?>
-<p:sld xmlns:a="http://schemas.openxmlformats.org/drawingml/2006/main" xmlns:r="http://schemas.openxmlformats.org/officeDocument/2006/relationships" xmlns:p="http://schemas.openxmlformats.org/presentationml/2006/main">
-  <p:cSld>
-    <p:spTree>
-      <p:nvGrpSpPr>
-        <p:cNvPr id="1" name=""/>
-        <p:cNvGrpSpPr/>
-        <p:nvPr/>
-      </p:nvGrpSpPr>
-      <p:grpSpPr>
-        <a:xfrm>
-          <a:off x="0" y="0"/>
-          <a:ext cx="0" cy="0"/>
-          <a:chOff x="0" y="0"/>
-          <a:chExt cx="0" cy="0"/>
-        </a:xfrm>
-      </p:grpSpPr>
-      <p:sp>
-        <p:nvSpPr>
-          <p:cNvPr id="2" name="Title 1"/>
-          <p:cNvSpPr>
-            <a:spLocks noGrp="1"/>
-          </p:cNvSpPr>
-          <p:nvPr>
-            <p:ph type="title"/>
-            <p:custDataLst>
-              <p:tags r:id="rId2"/>
-            </p:custDataLst>
-          </p:nvPr>
-        </p:nvSpPr>
-        <p:spPr/>
-        <p:txBody>
-          <a:bodyPr/>
-          <a:lstStyle/>
-          <a:p>
-            <a:r>
-              <a:rPr lang="en-US" dirty="0" smtClean="0"/>
-              <a:t>Current Status</a:t>
-            </a:r>
-            <a:endParaRPr lang="en-US" dirty="0"/>
-          </a:p>
-        </p:txBody>
-      </p:sp>
-      <p:sp>
-        <p:nvSpPr>
-          <p:cNvPr id="4" name="Content Placeholder 3"/>
-          <p:cNvSpPr>
-            <a:spLocks noGrp="1"/>
-          </p:cNvSpPr>
-          <p:nvPr>
-            <p:ph idx="1"/>
-          </p:nvPr>
-        </p:nvSpPr>
-        <p:spPr/>
-        <p:txBody>
-          <a:bodyPr/>
-          <a:lstStyle/>
-          <a:p>
-            <a:pPr>
-              <a:lnSpc>
-                <a:spcPct val="150000"/>
-              </a:lnSpc>
-            </a:pPr>
-            <a:r>
-              <a:rPr lang="en-US" dirty="0"/>
-              <a:t>What progress has been made since the previous milestone?</a:t>
-            </a:r>
-          </a:p>
-          <a:p>
-            <a:pPr lvl="1">
-              <a:lnSpc>
-                <a:spcPct val="150000"/>
-              </a:lnSpc>
-            </a:pPr>
-            <a:r>
-              <a:rPr lang="en-US" dirty="0" smtClean="0"/>
-              <a:t>EHR Plugin Architecture Defined</a:t>
-            </a:r>
-          </a:p>
-          <a:p>
-            <a:pPr lvl="1">
-              <a:lnSpc>
-                <a:spcPct val="150000"/>
-              </a:lnSpc>
-            </a:pPr>
-            <a:r>
-              <a:rPr lang="en-US" dirty="0" smtClean="0"/>
-              <a:t>Database Design Detailed</a:t>
-            </a:r>
-          </a:p>
-          <a:p>
-            <a:pPr lvl="1">
-              <a:lnSpc>
-                <a:spcPct val="150000"/>
-              </a:lnSpc>
-            </a:pPr>
-            <a:r>
-              <a:rPr lang="en-US" dirty="0" smtClean="0"/>
-              <a:t>Research into Target Platforms and Data Sources (FHIR requests, etc.) – at approximately 55% complete</a:t>
-            </a:r>
-          </a:p>
-          <a:p>
-            <a:pPr lvl="1">
-              <a:lnSpc>
-                <a:spcPct val="150000"/>
-              </a:lnSpc>
-            </a:pPr>
-            <a:r>
-              <a:rPr lang="en-US" dirty="0" smtClean="0"/>
-              <a:t>Prototype EHR ~ 40% complete</a:t>
-            </a:r>
-            <a:endParaRPr lang="en-US" dirty="0"/>
-          </a:p>
-          <a:p>
-            <a:pPr>
-              <a:lnSpc>
-                <a:spcPct val="150000"/>
-              </a:lnSpc>
-            </a:pPr>
-            <a:r>
-              <a:rPr lang="en-US" dirty="0"/>
-              <a:t>Is the project currently ahead of schedule, on track, or delayed?</a:t>
-            </a:r>
-          </a:p>
-          <a:p>
-            <a:pPr lvl="1">
-              <a:lnSpc>
-                <a:spcPct val="150000"/>
-              </a:lnSpc>
-            </a:pPr>
-            <a:r>
-              <a:rPr lang="en-US" b="1" dirty="0" smtClean="0"/>
-              <a:t>ON TRACK</a:t>
-            </a:r>
-            <a:endParaRPr lang="en-US" b="1" dirty="0"/>
-          </a:p>
-          <a:p>
-            <a:pPr marL="0" indent="0">
-              <a:buNone/>
-            </a:pPr>
-            <a:endParaRPr lang="en-US" dirty="0"/>
-          </a:p>
-        </p:txBody>
-      </p:sp>
-    </p:spTree>
-    <p:custDataLst>
-      <p:tags r:id="rId1"/>
-    </p:custDataLst>
-  </p:cSld>
-  <p:clrMapOvr>
-    <a:masterClrMapping/>
-  </p:clrMapOvr>
-  <p:transition spd="slow">
-    <p:fade/>
-  </p:transition>
-  <p:timing>
-    <p:tnLst>
-      <p:par>
-        <p:cTn id="1" dur="indefinite" restart="never" nodeType="tmRoot"/>
-      </p:par>
-    </p:tnLst>
-  </p:timing>
-</p:sld>
-</file>
-
 <file path=ppt/slides/slide7.xml><?xml version="1.0" encoding="utf-8"?>
 <p:sld xmlns:a="http://schemas.openxmlformats.org/drawingml/2006/main" xmlns:r="http://schemas.openxmlformats.org/officeDocument/2006/relationships" xmlns:p="http://schemas.openxmlformats.org/presentationml/2006/main">
   <p:cSld>
@@ -7447,72 +7380,30 @@
             </p:custDataLst>
           </p:nvPr>
         </p:nvSpPr>
-        <p:spPr>
-          <a:xfrm>
-            <a:off x="457200" y="914400"/>
-            <a:ext cx="5410200" cy="914400"/>
-          </a:xfrm>
-        </p:spPr>
+        <p:spPr/>
         <p:txBody>
           <a:bodyPr/>
           <a:lstStyle/>
           <a:p>
             <a:r>
               <a:rPr lang="en-US" dirty="0" smtClean="0"/>
-              <a:t>Looking Ahead</a:t>
+              <a:t>Current Status</a:t>
             </a:r>
             <a:endParaRPr lang="en-US" dirty="0"/>
           </a:p>
         </p:txBody>
       </p:sp>
-      <p:pic>
-        <p:nvPicPr>
-          <p:cNvPr id="4" name="Picture 3"/>
-          <p:cNvPicPr>
-            <a:picLocks noChangeAspect="1"/>
-          </p:cNvPicPr>
-          <p:nvPr/>
-        </p:nvPicPr>
-        <p:blipFill rotWithShape="1">
-          <a:blip r:embed="rId5" cstate="email">
-            <a:extLst>
-              <a:ext uri="{28A0092B-C50C-407E-A947-70E740481C1C}">
-                <a14:useLocalDpi xmlns:a14="http://schemas.microsoft.com/office/drawing/2010/main"/>
-              </a:ext>
-            </a:extLst>
-          </a:blip>
-          <a:srcRect/>
-          <a:stretch/>
-        </p:blipFill>
-        <p:spPr>
-          <a:xfrm>
-            <a:off x="6065520" y="0"/>
-            <a:ext cx="3078480" cy="6858000"/>
-          </a:xfrm>
-          <a:prstGeom prst="rect">
-            <a:avLst/>
-          </a:prstGeom>
-        </p:spPr>
-      </p:pic>
-      <p:sp>
-        <p:nvSpPr>
-          <p:cNvPr id="3" name="Content Placeholder 2"/>
+      <p:sp>
+        <p:nvSpPr>
+          <p:cNvPr id="4" name="Content Placeholder 3"/>
           <p:cNvSpPr>
             <a:spLocks noGrp="1"/>
           </p:cNvSpPr>
           <p:nvPr>
             <p:ph idx="1"/>
-            <p:custDataLst>
-              <p:tags r:id="rId3"/>
-            </p:custDataLst>
-          </p:nvPr>
-        </p:nvSpPr>
-        <p:spPr>
-          <a:xfrm>
-            <a:off x="457200" y="1828800"/>
-            <a:ext cx="5181600" cy="4297363"/>
-          </a:xfrm>
-        </p:spPr>
+          </p:nvPr>
+        </p:nvSpPr>
+        <p:spPr/>
         <p:txBody>
           <a:bodyPr/>
           <a:lstStyle/>
@@ -7523,9 +7414,54 @@
               </a:lnSpc>
             </a:pPr>
             <a:r>
+              <a:rPr lang="en-US" dirty="0"/>
+              <a:t>What progress has been made since the previous milestone?</a:t>
+            </a:r>
+          </a:p>
+          <a:p>
+            <a:pPr lvl="1">
+              <a:lnSpc>
+                <a:spcPct val="150000"/>
+              </a:lnSpc>
+            </a:pPr>
+            <a:r>
               <a:rPr lang="en-US" dirty="0" smtClean="0"/>
-              <a:t>Next Milestone: April 3rd</a:t>
-            </a:r>
+              <a:t>EHR Plugin Architecture Defined</a:t>
+            </a:r>
+          </a:p>
+          <a:p>
+            <a:pPr lvl="1">
+              <a:lnSpc>
+                <a:spcPct val="150000"/>
+              </a:lnSpc>
+            </a:pPr>
+            <a:r>
+              <a:rPr lang="en-US" dirty="0" smtClean="0"/>
+              <a:t>Database Design Detailed</a:t>
+            </a:r>
+          </a:p>
+          <a:p>
+            <a:pPr lvl="1">
+              <a:lnSpc>
+                <a:spcPct val="150000"/>
+              </a:lnSpc>
+            </a:pPr>
+            <a:r>
+              <a:rPr lang="en-US" dirty="0" smtClean="0"/>
+              <a:t>Research into Target Platforms and Data Sources (FHIR requests, etc.) – at approximately 55% complete</a:t>
+            </a:r>
+          </a:p>
+          <a:p>
+            <a:pPr lvl="1">
+              <a:lnSpc>
+                <a:spcPct val="150000"/>
+              </a:lnSpc>
+            </a:pPr>
+            <a:r>
+              <a:rPr lang="en-US" dirty="0" smtClean="0"/>
+              <a:t>Prototype EHR ~ 40% complete</a:t>
+            </a:r>
+            <a:endParaRPr lang="en-US" dirty="0"/>
           </a:p>
           <a:p>
             <a:pPr>
@@ -7535,47 +7471,26 @@
             </a:pPr>
             <a:r>
               <a:rPr lang="en-US" dirty="0"/>
-              <a:t>E</a:t>
-            </a:r>
-            <a:r>
-              <a:rPr lang="en-US" dirty="0" smtClean="0"/>
-              <a:t>xpected deliverables:</a:t>
-            </a:r>
-          </a:p>
-          <a:p>
-            <a:pPr lvl="1"/>
-            <a:r>
-              <a:rPr lang="en-US" dirty="0" smtClean="0"/>
-              <a:t>Completed EHR Prototype</a:t>
-            </a:r>
-          </a:p>
-          <a:p>
-            <a:pPr lvl="1"/>
-            <a:r>
-              <a:rPr lang="en-US" dirty="0" smtClean="0"/>
-              <a:t>Defined set of Project Risks </a:t>
-            </a:r>
-          </a:p>
-          <a:p>
-            <a:pPr lvl="1"/>
-            <a:r>
-              <a:rPr lang="en-US" dirty="0" smtClean="0"/>
-              <a:t>Target Platforms and Data Interop</a:t>
-            </a:r>
-          </a:p>
-          <a:p>
-            <a:pPr lvl="1"/>
-            <a:r>
-              <a:rPr lang="en-US" dirty="0" smtClean="0"/>
-              <a:t>Initial App Full Stack Development</a:t>
-            </a:r>
-          </a:p>
-          <a:p>
-            <a:pPr lvl="1"/>
-            <a:r>
-              <a:rPr lang="en-US" dirty="0" smtClean="0"/>
-              <a:t>Problem Item(s) List</a:t>
-            </a:r>
+              <a:t>Is the project currently ahead of schedule, on track, or delayed?</a:t>
+            </a:r>
+          </a:p>
+          <a:p>
+            <a:pPr lvl="1">
+              <a:lnSpc>
+                <a:spcPct val="150000"/>
+              </a:lnSpc>
+            </a:pPr>
+            <a:r>
+              <a:rPr lang="en-US" b="1" dirty="0" smtClean="0"/>
+              <a:t>ON TRACK</a:t>
+            </a:r>
+            <a:endParaRPr lang="en-US" b="1" dirty="0"/>
+          </a:p>
+          <a:p>
+            <a:pPr marL="0" indent="0">
+              <a:buNone/>
+            </a:pPr>
+            <a:endParaRPr lang="en-US" dirty="0"/>
           </a:p>
         </p:txBody>
       </p:sp>
@@ -7625,6 +7540,189 @@
           </p:cNvSpPr>
           <p:nvPr>
             <p:ph type="title"/>
+            <p:custDataLst>
+              <p:tags r:id="rId2"/>
+            </p:custDataLst>
+          </p:nvPr>
+        </p:nvSpPr>
+        <p:spPr>
+          <a:xfrm>
+            <a:off x="457200" y="914400"/>
+            <a:ext cx="5410200" cy="914400"/>
+          </a:xfrm>
+        </p:spPr>
+        <p:txBody>
+          <a:bodyPr/>
+          <a:lstStyle/>
+          <a:p>
+            <a:r>
+              <a:rPr lang="en-US" dirty="0" smtClean="0"/>
+              <a:t>Looking Ahead</a:t>
+            </a:r>
+            <a:endParaRPr lang="en-US" dirty="0"/>
+          </a:p>
+        </p:txBody>
+      </p:sp>
+      <p:pic>
+        <p:nvPicPr>
+          <p:cNvPr id="4" name="Picture 3"/>
+          <p:cNvPicPr>
+            <a:picLocks noChangeAspect="1"/>
+          </p:cNvPicPr>
+          <p:nvPr/>
+        </p:nvPicPr>
+        <p:blipFill rotWithShape="1">
+          <a:blip r:embed="rId5" cstate="email">
+            <a:extLst>
+              <a:ext uri="{28A0092B-C50C-407E-A947-70E740481C1C}">
+                <a14:useLocalDpi xmlns:a14="http://schemas.microsoft.com/office/drawing/2010/main"/>
+              </a:ext>
+            </a:extLst>
+          </a:blip>
+          <a:srcRect/>
+          <a:stretch/>
+        </p:blipFill>
+        <p:spPr>
+          <a:xfrm>
+            <a:off x="6065520" y="0"/>
+            <a:ext cx="3078480" cy="6858000"/>
+          </a:xfrm>
+          <a:prstGeom prst="rect">
+            <a:avLst/>
+          </a:prstGeom>
+        </p:spPr>
+      </p:pic>
+      <p:sp>
+        <p:nvSpPr>
+          <p:cNvPr id="3" name="Content Placeholder 2"/>
+          <p:cNvSpPr>
+            <a:spLocks noGrp="1"/>
+          </p:cNvSpPr>
+          <p:nvPr>
+            <p:ph idx="1"/>
+            <p:custDataLst>
+              <p:tags r:id="rId3"/>
+            </p:custDataLst>
+          </p:nvPr>
+        </p:nvSpPr>
+        <p:spPr>
+          <a:xfrm>
+            <a:off x="457200" y="1828800"/>
+            <a:ext cx="5181600" cy="4297363"/>
+          </a:xfrm>
+        </p:spPr>
+        <p:txBody>
+          <a:bodyPr/>
+          <a:lstStyle/>
+          <a:p>
+            <a:pPr>
+              <a:lnSpc>
+                <a:spcPct val="150000"/>
+              </a:lnSpc>
+            </a:pPr>
+            <a:r>
+              <a:rPr lang="en-US" dirty="0" smtClean="0"/>
+              <a:t>Next Milestone: April 3rd</a:t>
+            </a:r>
+          </a:p>
+          <a:p>
+            <a:pPr>
+              <a:lnSpc>
+                <a:spcPct val="150000"/>
+              </a:lnSpc>
+            </a:pPr>
+            <a:r>
+              <a:rPr lang="en-US" dirty="0"/>
+              <a:t>E</a:t>
+            </a:r>
+            <a:r>
+              <a:rPr lang="en-US" dirty="0" smtClean="0"/>
+              <a:t>xpected deliverables:</a:t>
+            </a:r>
+          </a:p>
+          <a:p>
+            <a:pPr lvl="1"/>
+            <a:r>
+              <a:rPr lang="en-US" dirty="0" smtClean="0"/>
+              <a:t>Completed EHR Prototype</a:t>
+            </a:r>
+          </a:p>
+          <a:p>
+            <a:pPr lvl="1"/>
+            <a:r>
+              <a:rPr lang="en-US" dirty="0" smtClean="0"/>
+              <a:t>Defined set of Project Risks </a:t>
+            </a:r>
+          </a:p>
+          <a:p>
+            <a:pPr lvl="1"/>
+            <a:r>
+              <a:rPr lang="en-US" dirty="0" smtClean="0"/>
+              <a:t>Target Platforms and Data Interop</a:t>
+            </a:r>
+          </a:p>
+          <a:p>
+            <a:pPr lvl="1"/>
+            <a:r>
+              <a:rPr lang="en-US" dirty="0" smtClean="0"/>
+              <a:t>Initial App Full Stack Development</a:t>
+            </a:r>
+          </a:p>
+          <a:p>
+            <a:pPr lvl="1"/>
+            <a:r>
+              <a:rPr lang="en-US" dirty="0" smtClean="0"/>
+              <a:t>Problem Item(s) List</a:t>
+            </a:r>
+          </a:p>
+        </p:txBody>
+      </p:sp>
+    </p:spTree>
+    <p:custDataLst>
+      <p:tags r:id="rId1"/>
+    </p:custDataLst>
+  </p:cSld>
+  <p:clrMapOvr>
+    <a:masterClrMapping/>
+  </p:clrMapOvr>
+  <p:transition spd="slow">
+    <p:fade/>
+  </p:transition>
+  <p:timing>
+    <p:tnLst>
+      <p:par>
+        <p:cTn id="1" dur="indefinite" restart="never" nodeType="tmRoot"/>
+      </p:par>
+    </p:tnLst>
+  </p:timing>
+</p:sld>
+</file>
+
+<file path=ppt/slides/slide9.xml><?xml version="1.0" encoding="utf-8"?>
+<p:sld xmlns:a="http://schemas.openxmlformats.org/drawingml/2006/main" xmlns:r="http://schemas.openxmlformats.org/officeDocument/2006/relationships" xmlns:p="http://schemas.openxmlformats.org/presentationml/2006/main">
+  <p:cSld>
+    <p:spTree>
+      <p:nvGrpSpPr>
+        <p:cNvPr id="1" name=""/>
+        <p:cNvGrpSpPr/>
+        <p:nvPr/>
+      </p:nvGrpSpPr>
+      <p:grpSpPr>
+        <a:xfrm>
+          <a:off x="0" y="0"/>
+          <a:ext cx="0" cy="0"/>
+          <a:chOff x="0" y="0"/>
+          <a:chExt cx="0" cy="0"/>
+        </a:xfrm>
+      </p:grpSpPr>
+      <p:sp>
+        <p:nvSpPr>
+          <p:cNvPr id="2" name="Title 1"/>
+          <p:cNvSpPr>
+            <a:spLocks noGrp="1"/>
+          </p:cNvSpPr>
+          <p:nvPr>
+            <p:ph type="title"/>
           </p:nvPr>
         </p:nvSpPr>
         <p:spPr>
@@ -7683,7 +7781,11 @@
             </a:r>
             <a:r>
               <a:rPr lang="en-US" dirty="0" smtClean="0"/>
-              <a:t>Manager/Developer</a:t>
+              <a:t>Manager/Developer </a:t>
+            </a:r>
+            <a:r>
+              <a:rPr lang="en-US" b="1" dirty="0" smtClean="0"/>
+              <a:t>Narrator 2</a:t>
             </a:r>
             <a:endParaRPr lang="en-US" dirty="0"/>
           </a:p>
@@ -7743,8 +7845,17 @@
             </a:r>
             <a:r>
               <a:rPr lang="en-US" dirty="0"/>
-              <a:t>: Developer/Tester</a:t>
-            </a:r>
+              <a:t>: </a:t>
+            </a:r>
+            <a:r>
+              <a:rPr lang="en-US" dirty="0" smtClean="0"/>
+              <a:t>Developer/Tester </a:t>
+            </a:r>
+            <a:r>
+              <a:rPr lang="en-US" b="1" dirty="0" smtClean="0"/>
+              <a:t>Narrator 1</a:t>
+            </a:r>
+            <a:endParaRPr lang="en-US" dirty="0"/>
           </a:p>
           <a:p>
             <a:endParaRPr lang="en-US" b="1" dirty="0"/>

--- a/Project Status Report 1.pptx
+++ b/Project Status Report 1.pptx
@@ -5,7 +5,7 @@
     <p:sldMasterId id="2147483648" r:id="rId2"/>
   </p:sldMasterIdLst>
   <p:notesMasterIdLst>
-    <p:notesMasterId r:id="rId12"/>
+    <p:notesMasterId r:id="rId13"/>
   </p:notesMasterIdLst>
   <p:sldIdLst>
     <p:sldId id="259" r:id="rId3"/>
@@ -13,10 +13,11 @@
     <p:sldId id="271" r:id="rId5"/>
     <p:sldId id="272" r:id="rId6"/>
     <p:sldId id="275" r:id="rId7"/>
-    <p:sldId id="269" r:id="rId8"/>
-    <p:sldId id="262" r:id="rId9"/>
-    <p:sldId id="267" r:id="rId10"/>
-    <p:sldId id="274" r:id="rId11"/>
+    <p:sldId id="276" r:id="rId8"/>
+    <p:sldId id="269" r:id="rId9"/>
+    <p:sldId id="262" r:id="rId10"/>
+    <p:sldId id="267" r:id="rId11"/>
+    <p:sldId id="274" r:id="rId12"/>
   </p:sldIdLst>
   <p:sldSz cx="9144000" cy="6858000" type="screen4x3"/>
   <p:notesSz cx="6858000" cy="9144000"/>
@@ -133,6 +134,7 @@
         <p14:section name="Status Update" id="{521DEF98-8796-4632-831A-16252E9A6054}">
           <p14:sldIdLst>
             <p14:sldId id="275"/>
+            <p14:sldId id="276"/>
             <p14:sldId id="269"/>
             <p14:sldId id="262"/>
           </p14:sldIdLst>
@@ -1002,7 +1004,7 @@
             <a:fld id="{5E0C3846-8D4C-4326-8BC7-9B455A036298}" type="slidenum">
               <a:rPr lang="en-US" smtClean="0"/>
               <a:pPr/>
-              <a:t>7</a:t>
+              <a:t>8</a:t>
             </a:fld>
             <a:endParaRPr lang="en-US"/>
           </a:p>
@@ -1115,7 +1117,7 @@
             <a:fld id="{5E0C3846-8D4C-4326-8BC7-9B455A036298}" type="slidenum">
               <a:rPr lang="en-US" smtClean="0"/>
               <a:pPr/>
-              <a:t>9</a:t>
+              <a:t>10</a:t>
             </a:fld>
             <a:endParaRPr lang="en-US"/>
           </a:p>
@@ -5227,6 +5229,193 @@
 </p:sld>
 </file>
 
+<file path=ppt/slides/slide10.xml><?xml version="1.0" encoding="utf-8"?>
+<p:sld xmlns:a="http://schemas.openxmlformats.org/drawingml/2006/main" xmlns:r="http://schemas.openxmlformats.org/officeDocument/2006/relationships" xmlns:p="http://schemas.openxmlformats.org/presentationml/2006/main">
+  <p:cSld>
+    <p:spTree>
+      <p:nvGrpSpPr>
+        <p:cNvPr id="1" name=""/>
+        <p:cNvGrpSpPr/>
+        <p:nvPr/>
+      </p:nvGrpSpPr>
+      <p:grpSpPr>
+        <a:xfrm>
+          <a:off x="0" y="0"/>
+          <a:ext cx="0" cy="0"/>
+          <a:chOff x="0" y="0"/>
+          <a:chExt cx="0" cy="0"/>
+        </a:xfrm>
+      </p:grpSpPr>
+      <p:sp>
+        <p:nvSpPr>
+          <p:cNvPr id="2" name="Title 1"/>
+          <p:cNvSpPr>
+            <a:spLocks noGrp="1"/>
+          </p:cNvSpPr>
+          <p:nvPr>
+            <p:ph type="title"/>
+          </p:nvPr>
+        </p:nvSpPr>
+        <p:spPr>
+          <a:xfrm>
+            <a:off x="3276600" y="1905000"/>
+            <a:ext cx="5597104" cy="1143001"/>
+          </a:xfrm>
+        </p:spPr>
+        <p:txBody>
+          <a:bodyPr>
+            <a:normAutofit fontScale="90000"/>
+          </a:bodyPr>
+          <a:lstStyle/>
+          <a:p>
+            <a:r>
+              <a:rPr lang="en-US" dirty="0" err="1" smtClean="0"/>
+              <a:t>Ehrgo</a:t>
+            </a:r>
+            <a:r>
+              <a:rPr lang="en-US" dirty="0" smtClean="0"/>
+              <a:t> Health Team Members</a:t>
+            </a:r>
+            <a:endParaRPr lang="en-US" dirty="0"/>
+          </a:p>
+        </p:txBody>
+      </p:sp>
+      <p:sp>
+        <p:nvSpPr>
+          <p:cNvPr id="3" name="Text Placeholder 2"/>
+          <p:cNvSpPr>
+            <a:spLocks noGrp="1"/>
+          </p:cNvSpPr>
+          <p:nvPr>
+            <p:ph type="body" idx="1"/>
+          </p:nvPr>
+        </p:nvSpPr>
+        <p:spPr>
+          <a:xfrm>
+            <a:off x="3352800" y="3048000"/>
+            <a:ext cx="5562600" cy="1500187"/>
+          </a:xfrm>
+        </p:spPr>
+        <p:txBody>
+          <a:bodyPr>
+            <a:normAutofit fontScale="85000" lnSpcReduction="10000"/>
+          </a:bodyPr>
+          <a:lstStyle/>
+          <a:p>
+            <a:r>
+              <a:rPr lang="en-US" b="1" dirty="0"/>
+              <a:t>Eric Greene</a:t>
+            </a:r>
+            <a:r>
+              <a:rPr lang="en-US" dirty="0"/>
+              <a:t>: Project </a:t>
+            </a:r>
+            <a:r>
+              <a:rPr lang="en-US" dirty="0" smtClean="0"/>
+              <a:t>Manager/Developer </a:t>
+            </a:r>
+            <a:r>
+              <a:rPr lang="en-US" b="1" dirty="0" smtClean="0"/>
+              <a:t>Narrator 2</a:t>
+            </a:r>
+            <a:endParaRPr lang="en-US" dirty="0"/>
+          </a:p>
+          <a:p>
+            <a:r>
+              <a:rPr lang="en-US" b="1" dirty="0" err="1"/>
+              <a:t>Huarui</a:t>
+            </a:r>
+            <a:r>
+              <a:rPr lang="en-US" b="1" dirty="0"/>
+              <a:t> Zheng</a:t>
+            </a:r>
+            <a:r>
+              <a:rPr lang="en-US" dirty="0"/>
+              <a:t>: </a:t>
+            </a:r>
+            <a:r>
+              <a:rPr lang="en-US" dirty="0" smtClean="0"/>
+              <a:t>Developer/Tester</a:t>
+            </a:r>
+            <a:endParaRPr lang="en-US" dirty="0"/>
+          </a:p>
+          <a:p>
+            <a:r>
+              <a:rPr lang="en-US" b="1" dirty="0"/>
+              <a:t>Donna Carey</a:t>
+            </a:r>
+            <a:r>
+              <a:rPr lang="en-US" dirty="0"/>
+              <a:t>: Documentation </a:t>
+            </a:r>
+            <a:r>
+              <a:rPr lang="en-US" dirty="0" smtClean="0"/>
+              <a:t>Lead/Developer</a:t>
+            </a:r>
+            <a:endParaRPr lang="en-US" dirty="0"/>
+          </a:p>
+          <a:p>
+            <a:r>
+              <a:rPr lang="en-US" b="1" dirty="0"/>
+              <a:t>Tommy Parnell</a:t>
+            </a:r>
+            <a:r>
+              <a:rPr lang="en-US" dirty="0"/>
+              <a:t>: Development </a:t>
+            </a:r>
+            <a:r>
+              <a:rPr lang="en-US" dirty="0" smtClean="0"/>
+              <a:t>Lead/Documentation</a:t>
+            </a:r>
+            <a:endParaRPr lang="en-US" dirty="0"/>
+          </a:p>
+          <a:p>
+            <a:r>
+              <a:rPr lang="en-US" b="1" dirty="0"/>
+              <a:t>James Ruiz</a:t>
+            </a:r>
+            <a:r>
+              <a:rPr lang="en-US" dirty="0"/>
+              <a:t>: </a:t>
+            </a:r>
+            <a:r>
+              <a:rPr lang="en-US" dirty="0" smtClean="0"/>
+              <a:t>Developer/Tester </a:t>
+            </a:r>
+            <a:r>
+              <a:rPr lang="en-US" b="1" dirty="0" smtClean="0"/>
+              <a:t>Narrator 1</a:t>
+            </a:r>
+            <a:endParaRPr lang="en-US" dirty="0"/>
+          </a:p>
+          <a:p>
+            <a:endParaRPr lang="en-US" b="1" dirty="0"/>
+          </a:p>
+        </p:txBody>
+      </p:sp>
+    </p:spTree>
+    <p:extLst>
+      <p:ext uri="{BB962C8B-B14F-4D97-AF65-F5344CB8AC3E}">
+        <p14:creationId xmlns:p14="http://schemas.microsoft.com/office/powerpoint/2010/main" val="3761678171"/>
+      </p:ext>
+    </p:extLst>
+  </p:cSld>
+  <p:clrMapOvr>
+    <a:masterClrMapping/>
+  </p:clrMapOvr>
+  <p:transition spd="slow">
+    <p:fade/>
+  </p:transition>
+  <p:timing>
+    <p:tnLst>
+      <p:par>
+        <p:cTn id="1" dur="indefinite" restart="never" nodeType="tmRoot"/>
+      </p:par>
+    </p:tnLst>
+  </p:timing>
+</p:sld>
+</file>
+
 <file path=ppt/slides/slide2.xml><?xml version="1.0" encoding="utf-8"?>
 <p:sld xmlns:a="http://schemas.openxmlformats.org/drawingml/2006/main" xmlns:r="http://schemas.openxmlformats.org/officeDocument/2006/relationships" xmlns:p="http://schemas.openxmlformats.org/presentationml/2006/main">
   <p:cSld>
@@ -7198,11 +7387,7 @@
           <a:p>
             <a:r>
               <a:rPr lang="en-US" dirty="0" smtClean="0"/>
-              <a:t>Technology </a:t>
-            </a:r>
-            <a:r>
-              <a:rPr lang="en-US" dirty="0" smtClean="0"/>
-              <a:t>Requirements</a:t>
+              <a:t>Technology Requirements</a:t>
             </a:r>
             <a:endParaRPr lang="en-US" dirty="0"/>
           </a:p>
@@ -7265,6 +7450,292 @@
 </file>
 
 <file path=ppt/slides/slide6.xml><?xml version="1.0" encoding="utf-8"?>
+<p:sld xmlns:a="http://schemas.openxmlformats.org/drawingml/2006/main" xmlns:r="http://schemas.openxmlformats.org/officeDocument/2006/relationships" xmlns:p="http://schemas.openxmlformats.org/presentationml/2006/main">
+  <p:cSld>
+    <p:spTree>
+      <p:nvGrpSpPr>
+        <p:cNvPr id="1" name=""/>
+        <p:cNvGrpSpPr/>
+        <p:nvPr/>
+      </p:nvGrpSpPr>
+      <p:grpSpPr>
+        <a:xfrm>
+          <a:off x="0" y="0"/>
+          <a:ext cx="0" cy="0"/>
+          <a:chOff x="0" y="0"/>
+          <a:chExt cx="0" cy="0"/>
+        </a:xfrm>
+      </p:grpSpPr>
+      <p:sp>
+        <p:nvSpPr>
+          <p:cNvPr id="2" name="Title 1"/>
+          <p:cNvSpPr>
+            <a:spLocks noGrp="1"/>
+          </p:cNvSpPr>
+          <p:nvPr>
+            <p:ph type="title"/>
+          </p:nvPr>
+        </p:nvSpPr>
+        <p:spPr/>
+        <p:txBody>
+          <a:bodyPr/>
+          <a:lstStyle/>
+          <a:p>
+            <a:r>
+              <a:rPr lang="en-US" dirty="0" smtClean="0"/>
+              <a:t>EHR Plugin Data Analysis</a:t>
+            </a:r>
+            <a:endParaRPr lang="en-US" dirty="0"/>
+          </a:p>
+        </p:txBody>
+      </p:sp>
+      <p:sp>
+        <p:nvSpPr>
+          <p:cNvPr id="3" name="Content Placeholder 2"/>
+          <p:cNvSpPr>
+            <a:spLocks noGrp="1"/>
+          </p:cNvSpPr>
+          <p:nvPr>
+            <p:ph idx="1"/>
+          </p:nvPr>
+        </p:nvSpPr>
+        <p:spPr>
+          <a:xfrm>
+            <a:off x="457200" y="1676400"/>
+            <a:ext cx="8229600" cy="5029200"/>
+          </a:xfrm>
+        </p:spPr>
+        <p:txBody>
+          <a:bodyPr>
+            <a:normAutofit/>
+          </a:bodyPr>
+          <a:lstStyle/>
+          <a:p>
+            <a:pPr marL="0" indent="0">
+              <a:buNone/>
+            </a:pPr>
+            <a:r>
+              <a:rPr lang="en-US" sz="1600" dirty="0" smtClean="0"/>
+              <a:t>Through observation and patient history a provider can analyze if there is a relationship </a:t>
+            </a:r>
+            <a:r>
+              <a:rPr lang="en-US" sz="1600" dirty="0" smtClean="0"/>
+              <a:t>between </a:t>
+            </a:r>
+            <a:r>
+              <a:rPr lang="en-US" sz="1600" dirty="0" smtClean="0"/>
+              <a:t>a substance and subsequent reaction that would lead to a diagnosis of an allergy.</a:t>
+            </a:r>
+          </a:p>
+          <a:p>
+            <a:endParaRPr lang="en-US" sz="1600" dirty="0" smtClean="0"/>
+          </a:p>
+          <a:p>
+            <a:pPr marL="0" indent="0">
+              <a:buNone/>
+            </a:pPr>
+            <a:endParaRPr lang="en-US" sz="1600" dirty="0" smtClean="0"/>
+          </a:p>
+          <a:p>
+            <a:pPr marL="0" indent="0">
+              <a:buNone/>
+            </a:pPr>
+            <a:endParaRPr lang="en-US" sz="1600" dirty="0"/>
+          </a:p>
+          <a:p>
+            <a:pPr marL="0" indent="0">
+              <a:buNone/>
+            </a:pPr>
+            <a:endParaRPr lang="en-US" sz="1600" dirty="0" smtClean="0"/>
+          </a:p>
+          <a:p>
+            <a:pPr marL="0" indent="0">
+              <a:buNone/>
+            </a:pPr>
+            <a:endParaRPr lang="en-US" sz="1600" dirty="0"/>
+          </a:p>
+          <a:p>
+            <a:pPr marL="0" indent="0">
+              <a:buNone/>
+            </a:pPr>
+            <a:endParaRPr lang="en-US" sz="1600" dirty="0" smtClean="0"/>
+          </a:p>
+          <a:p>
+            <a:pPr marL="0" indent="0">
+              <a:buNone/>
+            </a:pPr>
+            <a:endParaRPr lang="en-US" sz="1600" dirty="0"/>
+          </a:p>
+          <a:p>
+            <a:pPr marL="0" indent="0">
+              <a:buNone/>
+            </a:pPr>
+            <a:endParaRPr lang="en-US" sz="1600" dirty="0" smtClean="0"/>
+          </a:p>
+          <a:p>
+            <a:pPr marL="0" indent="0">
+              <a:buNone/>
+            </a:pPr>
+            <a:endParaRPr lang="en-US" sz="1600" dirty="0"/>
+          </a:p>
+          <a:p>
+            <a:pPr marL="0" indent="0">
+              <a:buNone/>
+            </a:pPr>
+            <a:endParaRPr lang="en-US" sz="1600" dirty="0"/>
+          </a:p>
+        </p:txBody>
+      </p:sp>
+      <p:pic>
+        <p:nvPicPr>
+          <p:cNvPr id="4" name="Picture 3"/>
+          <p:cNvPicPr>
+            <a:picLocks noChangeAspect="1"/>
+          </p:cNvPicPr>
+          <p:nvPr/>
+        </p:nvPicPr>
+        <p:blipFill>
+          <a:blip r:embed="rId2"/>
+          <a:stretch>
+            <a:fillRect/>
+          </a:stretch>
+        </p:blipFill>
+        <p:spPr>
+          <a:xfrm>
+            <a:off x="5197938" y="2667000"/>
+            <a:ext cx="2726862" cy="1981200"/>
+          </a:xfrm>
+          <a:prstGeom prst="rect">
+            <a:avLst/>
+          </a:prstGeom>
+        </p:spPr>
+      </p:pic>
+      <p:sp>
+        <p:nvSpPr>
+          <p:cNvPr id="5" name="TextBox 4"/>
+          <p:cNvSpPr txBox="1"/>
+          <p:nvPr/>
+        </p:nvSpPr>
+        <p:spPr>
+          <a:xfrm>
+            <a:off x="457200" y="2971800"/>
+            <a:ext cx="4648200" cy="2862322"/>
+          </a:xfrm>
+          <a:prstGeom prst="rect">
+            <a:avLst/>
+          </a:prstGeom>
+          <a:noFill/>
+        </p:spPr>
+        <p:txBody>
+          <a:bodyPr wrap="square" rtlCol="0">
+            <a:spAutoFit/>
+          </a:bodyPr>
+          <a:lstStyle/>
+          <a:p>
+            <a:pPr marL="285750" indent="-285750">
+              <a:buFont typeface="Arial" panose="020B0604020202020204" pitchFamily="34" charset="0"/>
+              <a:buChar char="•"/>
+            </a:pPr>
+            <a:r>
+              <a:rPr lang="en-US" dirty="0"/>
+              <a:t>Using available FHIR </a:t>
+            </a:r>
+            <a:r>
+              <a:rPr lang="en-US" dirty="0" smtClean="0"/>
+              <a:t>resources this </a:t>
+            </a:r>
+            <a:r>
+              <a:rPr lang="en-US" dirty="0"/>
+              <a:t>information can be pulled into </a:t>
+            </a:r>
+            <a:r>
+              <a:rPr lang="en-US"/>
+              <a:t>the </a:t>
+            </a:r>
+            <a:r>
+              <a:rPr lang="en-US" smtClean="0"/>
+              <a:t>EH</a:t>
+            </a:r>
+            <a:r>
+              <a:rPr lang="en-US" smtClean="0"/>
+              <a:t>R.</a:t>
+            </a:r>
+            <a:r>
+              <a:rPr lang="en-US" dirty="0" smtClean="0"/>
+              <a:t/>
+            </a:r>
+            <a:br>
+              <a:rPr lang="en-US" dirty="0" smtClean="0"/>
+            </a:br>
+            <a:endParaRPr lang="en-US" dirty="0" smtClean="0"/>
+          </a:p>
+          <a:p>
+            <a:pPr marL="285750" indent="-285750">
+              <a:buFont typeface="Arial" panose="020B0604020202020204" pitchFamily="34" charset="0"/>
+              <a:buChar char="•"/>
+            </a:pPr>
+            <a:r>
+              <a:rPr lang="en-US" dirty="0" smtClean="0"/>
+              <a:t>The plugin architecture would provide alerts to the provider regarding potential issues and dangers regarding current course of treatment.</a:t>
+            </a:r>
+            <a:br>
+              <a:rPr lang="en-US" dirty="0" smtClean="0"/>
+            </a:br>
+            <a:endParaRPr lang="en-US" dirty="0" smtClean="0"/>
+          </a:p>
+          <a:p>
+            <a:pPr marL="285750" indent="-285750">
+              <a:buFont typeface="Arial" panose="020B0604020202020204" pitchFamily="34" charset="0"/>
+              <a:buChar char="•"/>
+            </a:pPr>
+            <a:r>
+              <a:rPr lang="en-US" dirty="0" smtClean="0"/>
+              <a:t>A treatment plan can be created to avoid potentially life-threatening conflicts.</a:t>
+            </a:r>
+          </a:p>
+        </p:txBody>
+      </p:sp>
+      <p:pic>
+        <p:nvPicPr>
+          <p:cNvPr id="6" name="Picture 5"/>
+          <p:cNvPicPr>
+            <a:picLocks noChangeAspect="1"/>
+          </p:cNvPicPr>
+          <p:nvPr/>
+        </p:nvPicPr>
+        <p:blipFill>
+          <a:blip r:embed="rId3"/>
+          <a:stretch>
+            <a:fillRect/>
+          </a:stretch>
+        </p:blipFill>
+        <p:spPr>
+          <a:xfrm>
+            <a:off x="5223416" y="4648200"/>
+            <a:ext cx="2777584" cy="1868868"/>
+          </a:xfrm>
+          <a:prstGeom prst="rect">
+            <a:avLst/>
+          </a:prstGeom>
+        </p:spPr>
+      </p:pic>
+    </p:spTree>
+    <p:extLst>
+      <p:ext uri="{BB962C8B-B14F-4D97-AF65-F5344CB8AC3E}">
+        <p14:creationId xmlns:p14="http://schemas.microsoft.com/office/powerpoint/2010/main" val="799359540"/>
+      </p:ext>
+    </p:extLst>
+  </p:cSld>
+  <p:clrMapOvr>
+    <a:masterClrMapping/>
+  </p:clrMapOvr>
+  <p:transition spd="slow">
+    <p:fade/>
+  </p:transition>
+</p:sld>
+</file>
+
+<file path=ppt/slides/slide7.xml><?xml version="1.0" encoding="utf-8"?>
 <p:sld xmlns:a="http://schemas.openxmlformats.org/drawingml/2006/main" xmlns:r="http://schemas.openxmlformats.org/officeDocument/2006/relationships" xmlns:p="http://schemas.openxmlformats.org/presentationml/2006/main">
   <p:cSld>
     <p:spTree>
@@ -7350,171 +7821,6 @@
 </p:sld>
 </file>
 
-<file path=ppt/slides/slide7.xml><?xml version="1.0" encoding="utf-8"?>
-<p:sld xmlns:a="http://schemas.openxmlformats.org/drawingml/2006/main" xmlns:r="http://schemas.openxmlformats.org/officeDocument/2006/relationships" xmlns:p="http://schemas.openxmlformats.org/presentationml/2006/main">
-  <p:cSld>
-    <p:spTree>
-      <p:nvGrpSpPr>
-        <p:cNvPr id="1" name=""/>
-        <p:cNvGrpSpPr/>
-        <p:nvPr/>
-      </p:nvGrpSpPr>
-      <p:grpSpPr>
-        <a:xfrm>
-          <a:off x="0" y="0"/>
-          <a:ext cx="0" cy="0"/>
-          <a:chOff x="0" y="0"/>
-          <a:chExt cx="0" cy="0"/>
-        </a:xfrm>
-      </p:grpSpPr>
-      <p:sp>
-        <p:nvSpPr>
-          <p:cNvPr id="2" name="Title 1"/>
-          <p:cNvSpPr>
-            <a:spLocks noGrp="1"/>
-          </p:cNvSpPr>
-          <p:nvPr>
-            <p:ph type="title"/>
-            <p:custDataLst>
-              <p:tags r:id="rId2"/>
-            </p:custDataLst>
-          </p:nvPr>
-        </p:nvSpPr>
-        <p:spPr/>
-        <p:txBody>
-          <a:bodyPr/>
-          <a:lstStyle/>
-          <a:p>
-            <a:r>
-              <a:rPr lang="en-US" dirty="0" smtClean="0"/>
-              <a:t>Current Status</a:t>
-            </a:r>
-            <a:endParaRPr lang="en-US" dirty="0"/>
-          </a:p>
-        </p:txBody>
-      </p:sp>
-      <p:sp>
-        <p:nvSpPr>
-          <p:cNvPr id="4" name="Content Placeholder 3"/>
-          <p:cNvSpPr>
-            <a:spLocks noGrp="1"/>
-          </p:cNvSpPr>
-          <p:nvPr>
-            <p:ph idx="1"/>
-          </p:nvPr>
-        </p:nvSpPr>
-        <p:spPr/>
-        <p:txBody>
-          <a:bodyPr/>
-          <a:lstStyle/>
-          <a:p>
-            <a:pPr>
-              <a:lnSpc>
-                <a:spcPct val="150000"/>
-              </a:lnSpc>
-            </a:pPr>
-            <a:r>
-              <a:rPr lang="en-US" dirty="0"/>
-              <a:t>What progress has been made since the previous milestone?</a:t>
-            </a:r>
-          </a:p>
-          <a:p>
-            <a:pPr lvl="1">
-              <a:lnSpc>
-                <a:spcPct val="150000"/>
-              </a:lnSpc>
-            </a:pPr>
-            <a:r>
-              <a:rPr lang="en-US" dirty="0" smtClean="0"/>
-              <a:t>EHR Plugin Architecture Defined</a:t>
-            </a:r>
-          </a:p>
-          <a:p>
-            <a:pPr lvl="1">
-              <a:lnSpc>
-                <a:spcPct val="150000"/>
-              </a:lnSpc>
-            </a:pPr>
-            <a:r>
-              <a:rPr lang="en-US" dirty="0" smtClean="0"/>
-              <a:t>Database Design Detailed</a:t>
-            </a:r>
-          </a:p>
-          <a:p>
-            <a:pPr lvl="1">
-              <a:lnSpc>
-                <a:spcPct val="150000"/>
-              </a:lnSpc>
-            </a:pPr>
-            <a:r>
-              <a:rPr lang="en-US" dirty="0" smtClean="0"/>
-              <a:t>Research into Target Platforms and Data Sources (FHIR requests, etc.) – at approximately 55% complete</a:t>
-            </a:r>
-          </a:p>
-          <a:p>
-            <a:pPr lvl="1">
-              <a:lnSpc>
-                <a:spcPct val="150000"/>
-              </a:lnSpc>
-            </a:pPr>
-            <a:r>
-              <a:rPr lang="en-US" dirty="0" smtClean="0"/>
-              <a:t>Prototype EHR ~ 40% complete</a:t>
-            </a:r>
-            <a:endParaRPr lang="en-US" dirty="0"/>
-          </a:p>
-          <a:p>
-            <a:pPr>
-              <a:lnSpc>
-                <a:spcPct val="150000"/>
-              </a:lnSpc>
-            </a:pPr>
-            <a:r>
-              <a:rPr lang="en-US" dirty="0"/>
-              <a:t>Is the project currently ahead of schedule, on track, or delayed?</a:t>
-            </a:r>
-          </a:p>
-          <a:p>
-            <a:pPr lvl="1">
-              <a:lnSpc>
-                <a:spcPct val="150000"/>
-              </a:lnSpc>
-            </a:pPr>
-            <a:r>
-              <a:rPr lang="en-US" b="1" dirty="0" smtClean="0"/>
-              <a:t>ON TRACK</a:t>
-            </a:r>
-            <a:endParaRPr lang="en-US" b="1" dirty="0"/>
-          </a:p>
-          <a:p>
-            <a:pPr marL="0" indent="0">
-              <a:buNone/>
-            </a:pPr>
-            <a:endParaRPr lang="en-US" dirty="0"/>
-          </a:p>
-        </p:txBody>
-      </p:sp>
-    </p:spTree>
-    <p:custDataLst>
-      <p:tags r:id="rId1"/>
-    </p:custDataLst>
-  </p:cSld>
-  <p:clrMapOvr>
-    <a:masterClrMapping/>
-  </p:clrMapOvr>
-  <p:transition spd="slow">
-    <p:fade/>
-  </p:transition>
-  <p:timing>
-    <p:tnLst>
-      <p:par>
-        <p:cTn id="1" dur="indefinite" restart="never" nodeType="tmRoot"/>
-      </p:par>
-    </p:tnLst>
-  </p:timing>
-</p:sld>
-</file>
-
 <file path=ppt/slides/slide8.xml><?xml version="1.0" encoding="utf-8"?>
 <p:sld xmlns:a="http://schemas.openxmlformats.org/drawingml/2006/main" xmlns:r="http://schemas.openxmlformats.org/officeDocument/2006/relationships" xmlns:p="http://schemas.openxmlformats.org/presentationml/2006/main">
   <p:cSld>
@@ -7545,72 +7851,30 @@
             </p:custDataLst>
           </p:nvPr>
         </p:nvSpPr>
-        <p:spPr>
-          <a:xfrm>
-            <a:off x="457200" y="914400"/>
-            <a:ext cx="5410200" cy="914400"/>
-          </a:xfrm>
-        </p:spPr>
+        <p:spPr/>
         <p:txBody>
           <a:bodyPr/>
           <a:lstStyle/>
           <a:p>
             <a:r>
               <a:rPr lang="en-US" dirty="0" smtClean="0"/>
-              <a:t>Looking Ahead</a:t>
+              <a:t>Current Status</a:t>
             </a:r>
             <a:endParaRPr lang="en-US" dirty="0"/>
           </a:p>
         </p:txBody>
       </p:sp>
-      <p:pic>
-        <p:nvPicPr>
-          <p:cNvPr id="4" name="Picture 3"/>
-          <p:cNvPicPr>
-            <a:picLocks noChangeAspect="1"/>
-          </p:cNvPicPr>
-          <p:nvPr/>
-        </p:nvPicPr>
-        <p:blipFill rotWithShape="1">
-          <a:blip r:embed="rId5" cstate="email">
-            <a:extLst>
-              <a:ext uri="{28A0092B-C50C-407E-A947-70E740481C1C}">
-                <a14:useLocalDpi xmlns:a14="http://schemas.microsoft.com/office/drawing/2010/main"/>
-              </a:ext>
-            </a:extLst>
-          </a:blip>
-          <a:srcRect/>
-          <a:stretch/>
-        </p:blipFill>
-        <p:spPr>
-          <a:xfrm>
-            <a:off x="6065520" y="0"/>
-            <a:ext cx="3078480" cy="6858000"/>
-          </a:xfrm>
-          <a:prstGeom prst="rect">
-            <a:avLst/>
-          </a:prstGeom>
-        </p:spPr>
-      </p:pic>
-      <p:sp>
-        <p:nvSpPr>
-          <p:cNvPr id="3" name="Content Placeholder 2"/>
+      <p:sp>
+        <p:nvSpPr>
+          <p:cNvPr id="4" name="Content Placeholder 3"/>
           <p:cNvSpPr>
             <a:spLocks noGrp="1"/>
           </p:cNvSpPr>
           <p:nvPr>
             <p:ph idx="1"/>
-            <p:custDataLst>
-              <p:tags r:id="rId3"/>
-            </p:custDataLst>
-          </p:nvPr>
-        </p:nvSpPr>
-        <p:spPr>
-          <a:xfrm>
-            <a:off x="457200" y="1828800"/>
-            <a:ext cx="5181600" cy="4297363"/>
-          </a:xfrm>
-        </p:spPr>
+          </p:nvPr>
+        </p:nvSpPr>
+        <p:spPr/>
         <p:txBody>
           <a:bodyPr/>
           <a:lstStyle/>
@@ -7621,9 +7885,54 @@
               </a:lnSpc>
             </a:pPr>
             <a:r>
+              <a:rPr lang="en-US" dirty="0"/>
+              <a:t>What progress has been made since the previous milestone?</a:t>
+            </a:r>
+          </a:p>
+          <a:p>
+            <a:pPr lvl="1">
+              <a:lnSpc>
+                <a:spcPct val="150000"/>
+              </a:lnSpc>
+            </a:pPr>
+            <a:r>
               <a:rPr lang="en-US" dirty="0" smtClean="0"/>
-              <a:t>Next Milestone: April 3rd</a:t>
-            </a:r>
+              <a:t>EHR Plugin Architecture Defined</a:t>
+            </a:r>
+          </a:p>
+          <a:p>
+            <a:pPr lvl="1">
+              <a:lnSpc>
+                <a:spcPct val="150000"/>
+              </a:lnSpc>
+            </a:pPr>
+            <a:r>
+              <a:rPr lang="en-US" dirty="0" smtClean="0"/>
+              <a:t>Database Design Detailed</a:t>
+            </a:r>
+          </a:p>
+          <a:p>
+            <a:pPr lvl="1">
+              <a:lnSpc>
+                <a:spcPct val="150000"/>
+              </a:lnSpc>
+            </a:pPr>
+            <a:r>
+              <a:rPr lang="en-US" dirty="0" smtClean="0"/>
+              <a:t>Research into Target Platforms and Data Sources (FHIR requests, etc.) – at approximately 55% complete</a:t>
+            </a:r>
+          </a:p>
+          <a:p>
+            <a:pPr lvl="1">
+              <a:lnSpc>
+                <a:spcPct val="150000"/>
+              </a:lnSpc>
+            </a:pPr>
+            <a:r>
+              <a:rPr lang="en-US" dirty="0" smtClean="0"/>
+              <a:t>Prototype EHR ~ 40% complete</a:t>
+            </a:r>
+            <a:endParaRPr lang="en-US" dirty="0"/>
           </a:p>
           <a:p>
             <a:pPr>
@@ -7633,47 +7942,26 @@
             </a:pPr>
             <a:r>
               <a:rPr lang="en-US" dirty="0"/>
-              <a:t>E</a:t>
-            </a:r>
-            <a:r>
-              <a:rPr lang="en-US" dirty="0" smtClean="0"/>
-              <a:t>xpected deliverables:</a:t>
-            </a:r>
-          </a:p>
-          <a:p>
-            <a:pPr lvl="1"/>
-            <a:r>
-              <a:rPr lang="en-US" dirty="0" smtClean="0"/>
-              <a:t>Completed EHR Prototype</a:t>
-            </a:r>
-          </a:p>
-          <a:p>
-            <a:pPr lvl="1"/>
-            <a:r>
-              <a:rPr lang="en-US" dirty="0" smtClean="0"/>
-              <a:t>Defined set of Project Risks </a:t>
-            </a:r>
-          </a:p>
-          <a:p>
-            <a:pPr lvl="1"/>
-            <a:r>
-              <a:rPr lang="en-US" dirty="0" smtClean="0"/>
-              <a:t>Target Platforms and Data Interop</a:t>
-            </a:r>
-          </a:p>
-          <a:p>
-            <a:pPr lvl="1"/>
-            <a:r>
-              <a:rPr lang="en-US" dirty="0" smtClean="0"/>
-              <a:t>Initial App Full Stack Development</a:t>
-            </a:r>
-          </a:p>
-          <a:p>
-            <a:pPr lvl="1"/>
-            <a:r>
-              <a:rPr lang="en-US" dirty="0" smtClean="0"/>
-              <a:t>Problem Item(s) List</a:t>
-            </a:r>
+              <a:t>Is the project currently ahead of schedule, on track, or delayed?</a:t>
+            </a:r>
+          </a:p>
+          <a:p>
+            <a:pPr lvl="1">
+              <a:lnSpc>
+                <a:spcPct val="150000"/>
+              </a:lnSpc>
+            </a:pPr>
+            <a:r>
+              <a:rPr lang="en-US" b="1" dirty="0" smtClean="0"/>
+              <a:t>ON TRACK</a:t>
+            </a:r>
+            <a:endParaRPr lang="en-US" b="1" dirty="0"/>
+          </a:p>
+          <a:p>
+            <a:pPr marL="0" indent="0">
+              <a:buNone/>
+            </a:pPr>
+            <a:endParaRPr lang="en-US" dirty="0"/>
           </a:p>
         </p:txBody>
       </p:sp>
@@ -7723,151 +8011,147 @@
           </p:cNvSpPr>
           <p:nvPr>
             <p:ph type="title"/>
+            <p:custDataLst>
+              <p:tags r:id="rId2"/>
+            </p:custDataLst>
           </p:nvPr>
         </p:nvSpPr>
         <p:spPr>
           <a:xfrm>
-            <a:off x="3276600" y="1905000"/>
-            <a:ext cx="5597104" cy="1143001"/>
+            <a:off x="457200" y="914400"/>
+            <a:ext cx="5410200" cy="914400"/>
           </a:xfrm>
         </p:spPr>
         <p:txBody>
-          <a:bodyPr>
-            <a:normAutofit fontScale="90000"/>
-          </a:bodyPr>
-          <a:lstStyle/>
-          <a:p>
-            <a:r>
-              <a:rPr lang="en-US" dirty="0" err="1" smtClean="0"/>
-              <a:t>Ehrgo</a:t>
-            </a:r>
+          <a:bodyPr/>
+          <a:lstStyle/>
+          <a:p>
             <a:r>
               <a:rPr lang="en-US" dirty="0" smtClean="0"/>
-              <a:t> Health Team Members</a:t>
+              <a:t>Looking Ahead</a:t>
             </a:r>
             <a:endParaRPr lang="en-US" dirty="0"/>
           </a:p>
         </p:txBody>
       </p:sp>
-      <p:sp>
-        <p:nvSpPr>
-          <p:cNvPr id="3" name="Text Placeholder 2"/>
-          <p:cNvSpPr>
-            <a:spLocks noGrp="1"/>
-          </p:cNvSpPr>
-          <p:nvPr>
-            <p:ph type="body" idx="1"/>
-          </p:nvPr>
-        </p:nvSpPr>
+      <p:pic>
+        <p:nvPicPr>
+          <p:cNvPr id="4" name="Picture 3"/>
+          <p:cNvPicPr>
+            <a:picLocks noChangeAspect="1"/>
+          </p:cNvPicPr>
+          <p:nvPr/>
+        </p:nvPicPr>
+        <p:blipFill rotWithShape="1">
+          <a:blip r:embed="rId5" cstate="email">
+            <a:extLst>
+              <a:ext uri="{28A0092B-C50C-407E-A947-70E740481C1C}">
+                <a14:useLocalDpi xmlns:a14="http://schemas.microsoft.com/office/drawing/2010/main"/>
+              </a:ext>
+            </a:extLst>
+          </a:blip>
+          <a:srcRect/>
+          <a:stretch/>
+        </p:blipFill>
         <p:spPr>
           <a:xfrm>
-            <a:off x="3352800" y="3048000"/>
-            <a:ext cx="5562600" cy="1500187"/>
+            <a:off x="6065520" y="0"/>
+            <a:ext cx="3078480" cy="6858000"/>
+          </a:xfrm>
+          <a:prstGeom prst="rect">
+            <a:avLst/>
+          </a:prstGeom>
+        </p:spPr>
+      </p:pic>
+      <p:sp>
+        <p:nvSpPr>
+          <p:cNvPr id="3" name="Content Placeholder 2"/>
+          <p:cNvSpPr>
+            <a:spLocks noGrp="1"/>
+          </p:cNvSpPr>
+          <p:nvPr>
+            <p:ph idx="1"/>
+            <p:custDataLst>
+              <p:tags r:id="rId3"/>
+            </p:custDataLst>
+          </p:nvPr>
+        </p:nvSpPr>
+        <p:spPr>
+          <a:xfrm>
+            <a:off x="457200" y="1828800"/>
+            <a:ext cx="5181600" cy="4297363"/>
           </a:xfrm>
         </p:spPr>
         <p:txBody>
-          <a:bodyPr>
-            <a:normAutofit fontScale="85000" lnSpcReduction="10000"/>
-          </a:bodyPr>
-          <a:lstStyle/>
-          <a:p>
-            <a:r>
-              <a:rPr lang="en-US" b="1" dirty="0"/>
-              <a:t>Eric Greene</a:t>
-            </a:r>
+          <a:bodyPr/>
+          <a:lstStyle/>
+          <a:p>
+            <a:pPr>
+              <a:lnSpc>
+                <a:spcPct val="150000"/>
+              </a:lnSpc>
+            </a:pPr>
+            <a:r>
+              <a:rPr lang="en-US" dirty="0" smtClean="0"/>
+              <a:t>Next Milestone: April 3rd</a:t>
+            </a:r>
+          </a:p>
+          <a:p>
+            <a:pPr>
+              <a:lnSpc>
+                <a:spcPct val="150000"/>
+              </a:lnSpc>
+            </a:pPr>
             <a:r>
               <a:rPr lang="en-US" dirty="0"/>
-              <a:t>: Project </a:t>
+              <a:t>E</a:t>
             </a:r>
             <a:r>
               <a:rPr lang="en-US" dirty="0" smtClean="0"/>
-              <a:t>Manager/Developer </a:t>
-            </a:r>
-            <a:r>
-              <a:rPr lang="en-US" b="1" dirty="0" smtClean="0"/>
-              <a:t>Narrator 2</a:t>
-            </a:r>
-            <a:endParaRPr lang="en-US" dirty="0"/>
-          </a:p>
-          <a:p>
-            <a:r>
-              <a:rPr lang="en-US" b="1" dirty="0" err="1"/>
-              <a:t>Huarui</a:t>
-            </a:r>
-            <a:r>
-              <a:rPr lang="en-US" b="1" dirty="0"/>
-              <a:t> Zheng</a:t>
-            </a:r>
-            <a:r>
-              <a:rPr lang="en-US" dirty="0"/>
-              <a:t>: </a:t>
-            </a:r>
+              <a:t>xpected deliverables:</a:t>
+            </a:r>
+          </a:p>
+          <a:p>
+            <a:pPr lvl="1"/>
             <a:r>
               <a:rPr lang="en-US" dirty="0" smtClean="0"/>
-              <a:t>Developer/Tester</a:t>
-            </a:r>
-            <a:endParaRPr lang="en-US" dirty="0"/>
-          </a:p>
-          <a:p>
-            <a:r>
-              <a:rPr lang="en-US" b="1" dirty="0"/>
-              <a:t>Donna Carey</a:t>
-            </a:r>
-            <a:r>
-              <a:rPr lang="en-US" dirty="0"/>
-              <a:t>: Documentation </a:t>
-            </a:r>
+              <a:t>Completed EHR Prototype</a:t>
+            </a:r>
+          </a:p>
+          <a:p>
+            <a:pPr lvl="1"/>
             <a:r>
               <a:rPr lang="en-US" dirty="0" smtClean="0"/>
-              <a:t>Lead/Developer</a:t>
-            </a:r>
-            <a:endParaRPr lang="en-US" dirty="0"/>
-          </a:p>
-          <a:p>
-            <a:r>
-              <a:rPr lang="en-US" b="1" dirty="0"/>
-              <a:t>Tommy Parnell</a:t>
-            </a:r>
-            <a:r>
-              <a:rPr lang="en-US" dirty="0"/>
-              <a:t>: Development </a:t>
-            </a:r>
+              <a:t>Defined set of Project Risks </a:t>
+            </a:r>
+          </a:p>
+          <a:p>
+            <a:pPr lvl="1"/>
             <a:r>
               <a:rPr lang="en-US" dirty="0" smtClean="0"/>
-              <a:t>Lead/Documentation</a:t>
-            </a:r>
-            <a:endParaRPr lang="en-US" dirty="0"/>
-          </a:p>
-          <a:p>
-            <a:r>
-              <a:rPr lang="en-US" b="1" dirty="0"/>
-              <a:t>James Ruiz</a:t>
-            </a:r>
-            <a:r>
-              <a:rPr lang="en-US" dirty="0"/>
-              <a:t>: </a:t>
-            </a:r>
+              <a:t>Target Platforms and Data Interop</a:t>
+            </a:r>
+          </a:p>
+          <a:p>
+            <a:pPr lvl="1"/>
             <a:r>
               <a:rPr lang="en-US" dirty="0" smtClean="0"/>
-              <a:t>Developer/Tester </a:t>
-            </a:r>
-            <a:r>
-              <a:rPr lang="en-US" b="1" dirty="0" smtClean="0"/>
-              <a:t>Narrator 1</a:t>
-            </a:r>
-            <a:endParaRPr lang="en-US" dirty="0"/>
-          </a:p>
-          <a:p>
-            <a:endParaRPr lang="en-US" b="1" dirty="0"/>
+              <a:t>Initial App Full Stack Development</a:t>
+            </a:r>
+          </a:p>
+          <a:p>
+            <a:pPr lvl="1"/>
+            <a:r>
+              <a:rPr lang="en-US" dirty="0" smtClean="0"/>
+              <a:t>Problem Item(s) List</a:t>
+            </a:r>
           </a:p>
         </p:txBody>
       </p:sp>
     </p:spTree>
-    <p:extLst>
-      <p:ext uri="{BB962C8B-B14F-4D97-AF65-F5344CB8AC3E}">
-        <p14:creationId xmlns:p14="http://schemas.microsoft.com/office/powerpoint/2010/main" val="3761678171"/>
-      </p:ext>
-    </p:extLst>
+    <p:custDataLst>
+      <p:tags r:id="rId1"/>
+    </p:custDataLst>
   </p:cSld>
   <p:clrMapOvr>
     <a:masterClrMapping/>

--- a/Project Status Report 1.pptx
+++ b/Project Status Report 1.pptx
@@ -7420,16 +7420,67 @@
           </a:p>
           <a:p>
             <a:r>
-              <a:rPr lang="en-US" sz="1600" dirty="0" smtClean="0"/>
+              <a:rPr lang="en-US" sz="1600" dirty="0"/>
               <a:t>Version 4.6.1 </a:t>
             </a:r>
           </a:p>
           <a:p>
             <a:r>
-              <a:rPr lang="en-US" sz="1600" dirty="0" smtClean="0"/>
+              <a:rPr lang="en-US" sz="1600" dirty="0"/>
               <a:t>MVC 5</a:t>
             </a:r>
+          </a:p>
+          <a:p>
+            <a:r>
+              <a:rPr lang="en-US" sz="1600" dirty="0"/>
+              <a:t>Web </a:t>
+            </a:r>
+            <a:r>
+              <a:rPr lang="en-US" sz="1600" dirty="0" err="1"/>
+              <a:t>Api</a:t>
+            </a:r>
+            <a:r>
+              <a:rPr lang="en-US" sz="1600" dirty="0"/>
+              <a:t> 2.1</a:t>
+            </a:r>
+          </a:p>
+          <a:p>
+            <a:r>
+              <a:rPr lang="en-US" sz="1600" dirty="0"/>
+              <a:t>ASP.NET Identity 2</a:t>
+            </a:r>
+          </a:p>
+          <a:p>
+            <a:r>
+              <a:rPr lang="en-US" sz="1600" dirty="0"/>
+              <a:t>Entity Framework</a:t>
+            </a:r>
+          </a:p>
+          <a:p>
+            <a:r>
+              <a:rPr lang="en-US" sz="1600" dirty="0" err="1"/>
+              <a:t>Fhir.Net</a:t>
+            </a:r>
             <a:endParaRPr lang="en-US" sz="1600" dirty="0"/>
+          </a:p>
+          <a:p>
+            <a:r>
+              <a:rPr lang="en-US" sz="1600" dirty="0"/>
+              <a:t>Bootstrap</a:t>
+            </a:r>
+          </a:p>
+          <a:p>
+            <a:r>
+              <a:rPr lang="en-US" sz="1600" dirty="0" err="1"/>
+              <a:t>Jquery</a:t>
+            </a:r>
+            <a:endParaRPr lang="en-US" sz="1600" dirty="0"/>
+          </a:p>
+          <a:p>
+            <a:r>
+              <a:rPr lang="en-US" sz="1600" dirty="0"/>
+              <a:t>Knockout</a:t>
+            </a:r>
           </a:p>
         </p:txBody>
       </p:sp>
@@ -7516,15 +7567,7 @@
             </a:pPr>
             <a:r>
               <a:rPr lang="en-US" sz="1600" dirty="0" smtClean="0"/>
-              <a:t>Through observation and patient history a provider can analyze if there is a relationship </a:t>
-            </a:r>
-            <a:r>
-              <a:rPr lang="en-US" sz="1600" dirty="0" smtClean="0"/>
-              <a:t>between </a:t>
-            </a:r>
-            <a:r>
-              <a:rPr lang="en-US" sz="1600" dirty="0" smtClean="0"/>
-              <a:t>a substance and subsequent reaction that would lead to a diagnosis of an allergy.</a:t>
+              <a:t>Through observation and patient history a provider can analyze if there is a relationship between a substance and subsequent reaction that would lead to a diagnosis of an allergy.</a:t>
             </a:r>
           </a:p>
           <a:p>
@@ -7654,11 +7697,7 @@
             </a:r>
             <a:r>
               <a:rPr lang="en-US" smtClean="0"/>
-              <a:t>EH</a:t>
-            </a:r>
-            <a:r>
-              <a:rPr lang="en-US" smtClean="0"/>
-              <a:t>R.</a:t>
+              <a:t>EHR.</a:t>
             </a:r>
             <a:r>
               <a:rPr lang="en-US" dirty="0" smtClean="0"/>

--- a/Project Status Report 1.pptx
+++ b/Project Status Report 1.pptx
@@ -5,19 +5,20 @@
     <p:sldMasterId id="2147483648" r:id="rId2"/>
   </p:sldMasterIdLst>
   <p:notesMasterIdLst>
-    <p:notesMasterId r:id="rId13"/>
+    <p:notesMasterId r:id="rId14"/>
   </p:notesMasterIdLst>
   <p:sldIdLst>
     <p:sldId id="259" r:id="rId3"/>
     <p:sldId id="261" r:id="rId4"/>
     <p:sldId id="271" r:id="rId5"/>
-    <p:sldId id="272" r:id="rId6"/>
-    <p:sldId id="275" r:id="rId7"/>
-    <p:sldId id="276" r:id="rId8"/>
-    <p:sldId id="269" r:id="rId9"/>
-    <p:sldId id="262" r:id="rId10"/>
-    <p:sldId id="267" r:id="rId11"/>
-    <p:sldId id="274" r:id="rId12"/>
+    <p:sldId id="277" r:id="rId6"/>
+    <p:sldId id="272" r:id="rId7"/>
+    <p:sldId id="275" r:id="rId8"/>
+    <p:sldId id="276" r:id="rId9"/>
+    <p:sldId id="269" r:id="rId10"/>
+    <p:sldId id="262" r:id="rId11"/>
+    <p:sldId id="267" r:id="rId12"/>
+    <p:sldId id="274" r:id="rId13"/>
   </p:sldIdLst>
   <p:sldSz cx="9144000" cy="6858000" type="screen4x3"/>
   <p:notesSz cx="6858000" cy="9144000"/>
@@ -128,6 +129,7 @@
           <p14:sldIdLst>
             <p14:sldId id="261"/>
             <p14:sldId id="271"/>
+            <p14:sldId id="277"/>
             <p14:sldId id="272"/>
           </p14:sldIdLst>
         </p14:section>
@@ -257,7 +259,7 @@
           <a:p>
             <a:fld id="{724506C0-3FFE-45A5-803D-9F4FC5464A70}" type="datetimeFigureOut">
               <a:rPr lang="en-US" smtClean="0"/>
-              <a:t>3/12/2016</a:t>
+              <a:t>3/12/16</a:t>
             </a:fld>
             <a:endParaRPr lang="en-US"/>
           </a:p>
@@ -1004,7 +1006,7 @@
             <a:fld id="{5E0C3846-8D4C-4326-8BC7-9B455A036298}" type="slidenum">
               <a:rPr lang="en-US" smtClean="0"/>
               <a:pPr/>
-              <a:t>8</a:t>
+              <a:t>9</a:t>
             </a:fld>
             <a:endParaRPr lang="en-US"/>
           </a:p>
@@ -1117,7 +1119,7 @@
             <a:fld id="{5E0C3846-8D4C-4326-8BC7-9B455A036298}" type="slidenum">
               <a:rPr lang="en-US" smtClean="0"/>
               <a:pPr/>
-              <a:t>10</a:t>
+              <a:t>11</a:t>
             </a:fld>
             <a:endParaRPr lang="en-US"/>
           </a:p>
@@ -1471,7 +1473,7 @@
           <a:p>
             <a:fld id="{F922158D-428B-4987-8B28-745A2AFA1252}" type="datetimeFigureOut">
               <a:rPr lang="en-US" smtClean="0"/>
-              <a:t>3/12/2016</a:t>
+              <a:t>3/12/16</a:t>
             </a:fld>
             <a:endParaRPr lang="en-US"/>
           </a:p>
@@ -2064,7 +2066,7 @@
           <a:p>
             <a:fld id="{F922158D-428B-4987-8B28-745A2AFA1252}" type="datetimeFigureOut">
               <a:rPr lang="en-US" smtClean="0"/>
-              <a:t>3/12/2016</a:t>
+              <a:t>3/12/16</a:t>
             </a:fld>
             <a:endParaRPr lang="en-US"/>
           </a:p>
@@ -2249,7 +2251,7 @@
           <a:p>
             <a:fld id="{F922158D-428B-4987-8B28-745A2AFA1252}" type="datetimeFigureOut">
               <a:rPr lang="en-US" smtClean="0"/>
-              <a:t>3/12/2016</a:t>
+              <a:t>3/12/16</a:t>
             </a:fld>
             <a:endParaRPr lang="en-US"/>
           </a:p>
@@ -2565,7 +2567,7 @@
           <a:p>
             <a:fld id="{F922158D-428B-4987-8B28-745A2AFA1252}" type="datetimeFigureOut">
               <a:rPr lang="en-US" smtClean="0"/>
-              <a:t>3/12/2016</a:t>
+              <a:t>3/12/16</a:t>
             </a:fld>
             <a:endParaRPr lang="en-US"/>
           </a:p>
@@ -2994,7 +2996,7 @@
           <a:p>
             <a:fld id="{F922158D-428B-4987-8B28-745A2AFA1252}" type="datetimeFigureOut">
               <a:rPr lang="en-US" smtClean="0"/>
-              <a:t>3/12/2016</a:t>
+              <a:t>3/12/16</a:t>
             </a:fld>
             <a:endParaRPr lang="en-US"/>
           </a:p>
@@ -3291,7 +3293,7 @@
           <a:p>
             <a:fld id="{F922158D-428B-4987-8B28-745A2AFA1252}" type="datetimeFigureOut">
               <a:rPr lang="en-US" smtClean="0"/>
-              <a:t>3/12/2016</a:t>
+              <a:t>3/12/16</a:t>
             </a:fld>
             <a:endParaRPr lang="en-US"/>
           </a:p>
@@ -3731,7 +3733,7 @@
           <a:p>
             <a:fld id="{F922158D-428B-4987-8B28-745A2AFA1252}" type="datetimeFigureOut">
               <a:rPr lang="en-US" smtClean="0"/>
-              <a:t>3/12/2016</a:t>
+              <a:t>3/12/16</a:t>
             </a:fld>
             <a:endParaRPr lang="en-US"/>
           </a:p>
@@ -3860,7 +3862,7 @@
           <a:p>
             <a:fld id="{F922158D-428B-4987-8B28-745A2AFA1252}" type="datetimeFigureOut">
               <a:rPr lang="en-US" smtClean="0"/>
-              <a:t>3/12/2016</a:t>
+              <a:t>3/12/16</a:t>
             </a:fld>
             <a:endParaRPr lang="en-US"/>
           </a:p>
@@ -3960,7 +3962,7 @@
           <a:p>
             <a:fld id="{F922158D-428B-4987-8B28-745A2AFA1252}" type="datetimeFigureOut">
               <a:rPr lang="en-US" smtClean="0"/>
-              <a:t>3/12/2016</a:t>
+              <a:t>3/12/16</a:t>
             </a:fld>
             <a:endParaRPr lang="en-US"/>
           </a:p>
@@ -4244,7 +4246,7 @@
           <a:p>
             <a:fld id="{F922158D-428B-4987-8B28-745A2AFA1252}" type="datetimeFigureOut">
               <a:rPr lang="en-US" smtClean="0"/>
-              <a:t>3/12/2016</a:t>
+              <a:t>3/12/16</a:t>
             </a:fld>
             <a:endParaRPr lang="en-US"/>
           </a:p>
@@ -4506,7 +4508,7 @@
           <a:p>
             <a:fld id="{F922158D-428B-4987-8B28-745A2AFA1252}" type="datetimeFigureOut">
               <a:rPr lang="en-US" smtClean="0"/>
-              <a:t>3/12/2016</a:t>
+              <a:t>3/12/16</a:t>
             </a:fld>
             <a:endParaRPr lang="en-US"/>
           </a:p>
@@ -4724,7 +4726,7 @@
           <a:p>
             <a:fld id="{F922158D-428B-4987-8B28-745A2AFA1252}" type="datetimeFigureOut">
               <a:rPr lang="en-US" smtClean="0"/>
-              <a:t>3/12/2016</a:t>
+              <a:t>3/12/16</a:t>
             </a:fld>
             <a:endParaRPr lang="en-US"/>
           </a:p>
@@ -5199,6 +5201,39 @@
           </a:p>
         </p:txBody>
       </p:sp>
+      <p:pic>
+        <p:nvPicPr>
+          <p:cNvPr id="4" name="Sound 3">
+            <a:hlinkClick r:id="" action="ppaction://media"/>
+          </p:cNvPr>
+          <p:cNvPicPr>
+            <a:picLocks noChangeAspect="1"/>
+          </p:cNvPicPr>
+          <p:nvPr>
+            <a:audioFile r:link="rId5"/>
+            <p:extLst>
+              <p:ext uri="{DAA4B4D4-6D71-4841-9C94-3DE7FCFB9230}">
+                <p14:media xmlns:p14="http://schemas.microsoft.com/office/powerpoint/2010/main" r:embed="rId4"/>
+              </p:ext>
+            </p:extLst>
+          </p:nvPr>
+        </p:nvPicPr>
+        <p:blipFill>
+          <a:blip r:embed="rId8"/>
+          <a:stretch>
+            <a:fillRect/>
+          </a:stretch>
+        </p:blipFill>
+        <p:spPr>
+          <a:xfrm>
+            <a:off x="8178800" y="5892800"/>
+            <a:ext cx="812800" cy="812800"/>
+          </a:xfrm>
+          <a:prstGeom prst="rect">
+            <a:avLst/>
+          </a:prstGeom>
+        </p:spPr>
+      </p:pic>
     </p:spTree>
     <p:custDataLst>
       <p:tags r:id="rId1"/>
@@ -5207,18 +5242,281 @@
   <p:clrMapOvr>
     <a:masterClrMapping/>
   </p:clrMapOvr>
-  <mc:AlternateContent xmlns:mc="http://schemas.openxmlformats.org/markup-compatibility/2006" xmlns:p14="http://schemas.microsoft.com/office/powerpoint/2010/main">
-    <mc:Choice Requires="p14">
-      <p:transition spd="slow" p14:dur="1600">
+  <mc:AlternateContent xmlns:mc="http://schemas.openxmlformats.org/markup-compatibility/2006">
+    <mc:Choice xmlns:p14="http://schemas.microsoft.com/office/powerpoint/2010/main" Requires="p14">
+      <p:transition spd="slow" p14:dur="1600" advTm="7497">
         <p:blinds dir="vert"/>
       </p:transition>
     </mc:Choice>
-    <mc:Fallback xmlns="">
-      <p:transition spd="slow">
+    <mc:Fallback>
+      <p:transition spd="slow" advTm="7497">
         <p:blinds dir="vert"/>
       </p:transition>
     </mc:Fallback>
   </mc:AlternateContent>
+  <p:timing>
+    <p:tnLst>
+      <p:par>
+        <p:cTn id="1" dur="indefinite" restart="never" nodeType="tmRoot">
+          <p:childTnLst>
+            <p:seq concurrent="1" nextAc="seek">
+              <p:cTn id="2" dur="indefinite" nodeType="mainSeq">
+                <p:childTnLst>
+                  <p:par>
+                    <p:cTn id="3" fill="hold">
+                      <p:stCondLst>
+                        <p:cond delay="indefinite"/>
+                        <p:cond evt="onBegin" delay="0">
+                          <p:tn val="2"/>
+                        </p:cond>
+                      </p:stCondLst>
+                      <p:childTnLst>
+                        <p:par>
+                          <p:cTn id="4" fill="hold">
+                            <p:stCondLst>
+                              <p:cond delay="0"/>
+                            </p:stCondLst>
+                            <p:childTnLst>
+                              <p:par>
+                                <p:cTn id="5" presetID="1" presetClass="mediacall" presetSubtype="0" fill="hold" nodeType="afterEffect">
+                                  <p:stCondLst>
+                                    <p:cond delay="0"/>
+                                  </p:stCondLst>
+                                  <p:childTnLst>
+                                    <p:cmd type="call" cmd="playFrom(0.0)">
+                                      <p:cBhvr>
+                                        <p:cTn id="6" dur="1" fill="hold"/>
+                                        <p:tgtEl>
+                                          <p:spTgt spid="4"/>
+                                        </p:tgtEl>
+                                      </p:cBhvr>
+                                    </p:cmd>
+                                  </p:childTnLst>
+                                </p:cTn>
+                              </p:par>
+                            </p:childTnLst>
+                          </p:cTn>
+                        </p:par>
+                      </p:childTnLst>
+                    </p:cTn>
+                  </p:par>
+                </p:childTnLst>
+              </p:cTn>
+              <p:prevCondLst>
+                <p:cond evt="onPrev" delay="0">
+                  <p:tgtEl>
+                    <p:sldTgt/>
+                  </p:tgtEl>
+                </p:cond>
+              </p:prevCondLst>
+              <p:nextCondLst>
+                <p:cond evt="onNext" delay="0">
+                  <p:tgtEl>
+                    <p:sldTgt/>
+                  </p:tgtEl>
+                </p:cond>
+              </p:nextCondLst>
+            </p:seq>
+            <p:audio isNarration="1">
+              <p:cMediaNode vol="80000" showWhenStopped="0">
+                <p:cTn id="7" fill="hold" display="0">
+                  <p:stCondLst>
+                    <p:cond delay="indefinite"/>
+                  </p:stCondLst>
+                  <p:endCondLst>
+                    <p:cond evt="onStopAudio" delay="0">
+                      <p:tgtEl>
+                        <p:sldTgt/>
+                      </p:tgtEl>
+                    </p:cond>
+                  </p:endCondLst>
+                </p:cTn>
+                <p:tgtEl>
+                  <p:spTgt spid="4"/>
+                </p:tgtEl>
+              </p:cMediaNode>
+            </p:audio>
+          </p:childTnLst>
+        </p:cTn>
+      </p:par>
+    </p:tnLst>
+  </p:timing>
+</p:sld>
+</file>
+
+<file path=ppt/slides/slide10.xml><?xml version="1.0" encoding="utf-8"?>
+<p:sld xmlns:a="http://schemas.openxmlformats.org/drawingml/2006/main" xmlns:r="http://schemas.openxmlformats.org/officeDocument/2006/relationships" xmlns:p="http://schemas.openxmlformats.org/presentationml/2006/main">
+  <p:cSld>
+    <p:spTree>
+      <p:nvGrpSpPr>
+        <p:cNvPr id="1" name=""/>
+        <p:cNvGrpSpPr/>
+        <p:nvPr/>
+      </p:nvGrpSpPr>
+      <p:grpSpPr>
+        <a:xfrm>
+          <a:off x="0" y="0"/>
+          <a:ext cx="0" cy="0"/>
+          <a:chOff x="0" y="0"/>
+          <a:chExt cx="0" cy="0"/>
+        </a:xfrm>
+      </p:grpSpPr>
+      <p:sp>
+        <p:nvSpPr>
+          <p:cNvPr id="2" name="Title 1"/>
+          <p:cNvSpPr>
+            <a:spLocks noGrp="1"/>
+          </p:cNvSpPr>
+          <p:nvPr>
+            <p:ph type="title"/>
+            <p:custDataLst>
+              <p:tags r:id="rId2"/>
+            </p:custDataLst>
+          </p:nvPr>
+        </p:nvSpPr>
+        <p:spPr>
+          <a:xfrm>
+            <a:off x="457200" y="914400"/>
+            <a:ext cx="5410200" cy="914400"/>
+          </a:xfrm>
+        </p:spPr>
+        <p:txBody>
+          <a:bodyPr/>
+          <a:lstStyle/>
+          <a:p>
+            <a:r>
+              <a:rPr lang="en-US" dirty="0" smtClean="0"/>
+              <a:t>Looking Ahead</a:t>
+            </a:r>
+            <a:endParaRPr lang="en-US" dirty="0"/>
+          </a:p>
+        </p:txBody>
+      </p:sp>
+      <p:pic>
+        <p:nvPicPr>
+          <p:cNvPr id="4" name="Picture 3"/>
+          <p:cNvPicPr>
+            <a:picLocks noChangeAspect="1"/>
+          </p:cNvPicPr>
+          <p:nvPr/>
+        </p:nvPicPr>
+        <p:blipFill rotWithShape="1">
+          <a:blip r:embed="rId5" cstate="email">
+            <a:extLst>
+              <a:ext uri="{28A0092B-C50C-407E-A947-70E740481C1C}">
+                <a14:useLocalDpi xmlns:a14="http://schemas.microsoft.com/office/drawing/2010/main"/>
+              </a:ext>
+            </a:extLst>
+          </a:blip>
+          <a:srcRect/>
+          <a:stretch/>
+        </p:blipFill>
+        <p:spPr>
+          <a:xfrm>
+            <a:off x="6065520" y="0"/>
+            <a:ext cx="3078480" cy="6858000"/>
+          </a:xfrm>
+          <a:prstGeom prst="rect">
+            <a:avLst/>
+          </a:prstGeom>
+        </p:spPr>
+      </p:pic>
+      <p:sp>
+        <p:nvSpPr>
+          <p:cNvPr id="3" name="Content Placeholder 2"/>
+          <p:cNvSpPr>
+            <a:spLocks noGrp="1"/>
+          </p:cNvSpPr>
+          <p:nvPr>
+            <p:ph idx="1"/>
+            <p:custDataLst>
+              <p:tags r:id="rId3"/>
+            </p:custDataLst>
+          </p:nvPr>
+        </p:nvSpPr>
+        <p:spPr>
+          <a:xfrm>
+            <a:off x="457200" y="1828800"/>
+            <a:ext cx="5181600" cy="4297363"/>
+          </a:xfrm>
+        </p:spPr>
+        <p:txBody>
+          <a:bodyPr/>
+          <a:lstStyle/>
+          <a:p>
+            <a:pPr>
+              <a:lnSpc>
+                <a:spcPct val="150000"/>
+              </a:lnSpc>
+            </a:pPr>
+            <a:r>
+              <a:rPr lang="en-US" dirty="0" smtClean="0"/>
+              <a:t>Next Milestone: April 3rd</a:t>
+            </a:r>
+          </a:p>
+          <a:p>
+            <a:pPr>
+              <a:lnSpc>
+                <a:spcPct val="150000"/>
+              </a:lnSpc>
+            </a:pPr>
+            <a:r>
+              <a:rPr lang="en-US" dirty="0"/>
+              <a:t>E</a:t>
+            </a:r>
+            <a:r>
+              <a:rPr lang="en-US" dirty="0" smtClean="0"/>
+              <a:t>xpected deliverables:</a:t>
+            </a:r>
+          </a:p>
+          <a:p>
+            <a:pPr lvl="1"/>
+            <a:r>
+              <a:rPr lang="en-US" dirty="0" smtClean="0"/>
+              <a:t>Completed EHR Prototype</a:t>
+            </a:r>
+          </a:p>
+          <a:p>
+            <a:pPr lvl="1"/>
+            <a:r>
+              <a:rPr lang="en-US" dirty="0" smtClean="0"/>
+              <a:t>Defined set of Project Risks </a:t>
+            </a:r>
+          </a:p>
+          <a:p>
+            <a:pPr lvl="1"/>
+            <a:r>
+              <a:rPr lang="en-US" dirty="0" smtClean="0"/>
+              <a:t>Target Platforms and Data Interop</a:t>
+            </a:r>
+          </a:p>
+          <a:p>
+            <a:pPr lvl="1"/>
+            <a:r>
+              <a:rPr lang="en-US" dirty="0" smtClean="0"/>
+              <a:t>Initial App Full Stack Development</a:t>
+            </a:r>
+          </a:p>
+          <a:p>
+            <a:pPr lvl="1"/>
+            <a:r>
+              <a:rPr lang="en-US" dirty="0" smtClean="0"/>
+              <a:t>Problem Item(s) List</a:t>
+            </a:r>
+          </a:p>
+        </p:txBody>
+      </p:sp>
+    </p:spTree>
+    <p:custDataLst>
+      <p:tags r:id="rId1"/>
+    </p:custDataLst>
+  </p:cSld>
+  <p:clrMapOvr>
+    <a:masterClrMapping/>
+  </p:clrMapOvr>
+  <p:transition spd="slow">
+    <p:fade/>
+  </p:transition>
   <p:timing>
     <p:tnLst>
       <p:par>
@@ -5229,7 +5527,7 @@
 </p:sld>
 </file>
 
-<file path=ppt/slides/slide10.xml><?xml version="1.0" encoding="utf-8"?>
+<file path=ppt/slides/slide11.xml><?xml version="1.0" encoding="utf-8"?>
 <p:sld xmlns:a="http://schemas.openxmlformats.org/drawingml/2006/main" xmlns:r="http://schemas.openxmlformats.org/officeDocument/2006/relationships" xmlns:p="http://schemas.openxmlformats.org/presentationml/2006/main">
   <p:cSld>
     <p:spTree>
@@ -5500,8 +5798,21 @@
             </a:pPr>
             <a:r>
               <a:rPr lang="en-US" dirty="0" smtClean="0"/>
-              <a:t>Patient Portal: allowing patient to enter personal information and leverage commonly-used technology APIs such as MyFitnessPal</a:t>
-            </a:r>
+              <a:t>Patient Portal: allowing patient to enter personal information and leverage commonly-used technology APIs such as </a:t>
+            </a:r>
+            <a:r>
+              <a:rPr lang="en-US" dirty="0" smtClean="0"/>
+              <a:t>the </a:t>
+            </a:r>
+            <a:r>
+              <a:rPr lang="en-US" dirty="0" err="1" smtClean="0"/>
+              <a:t>Fitbit</a:t>
+            </a:r>
+            <a:r>
+              <a:rPr lang="en-US" dirty="0" smtClean="0"/>
+              <a:t> API</a:t>
+            </a:r>
+            <a:endParaRPr lang="en-US" dirty="0" smtClean="0"/>
           </a:p>
           <a:p>
             <a:pPr lvl="1">
@@ -5560,7 +5871,7 @@
   <p:clrMapOvr>
     <a:masterClrMapping/>
   </p:clrMapOvr>
-  <p:transition spd="slow">
+  <p:transition spd="slow" advTm="32316">
     <p:fade/>
   </p:transition>
   <p:timing>
@@ -5711,7 +6022,7 @@
         </p:nvSpPr>
         <p:spPr>
           <a:xfrm>
-            <a:off x="6324600" y="5143500"/>
+            <a:off x="7053262" y="5156508"/>
             <a:ext cx="1790700" cy="1435100"/>
           </a:xfrm>
           <a:prstGeom prst="can">
@@ -6030,7 +6341,7 @@
         </p:nvSpPr>
         <p:spPr>
           <a:xfrm>
-            <a:off x="1335088" y="4953000"/>
+            <a:off x="896081" y="4971172"/>
             <a:ext cx="469900" cy="381000"/>
           </a:xfrm>
           <a:prstGeom prst="upArrow">
@@ -6335,46 +6646,6 @@
       </p:sp>
       <p:sp>
         <p:nvSpPr>
-          <p:cNvPr id="24" name="Up Arrow 23"/>
-          <p:cNvSpPr/>
-          <p:nvPr/>
-        </p:nvSpPr>
-        <p:spPr>
-          <a:xfrm>
-            <a:off x="6735762" y="4953000"/>
-            <a:ext cx="469900" cy="381000"/>
-          </a:xfrm>
-          <a:prstGeom prst="upArrow">
-            <a:avLst/>
-          </a:prstGeom>
-        </p:spPr>
-        <p:style>
-          <a:lnRef idx="2">
-            <a:schemeClr val="dk1">
-              <a:shade val="50000"/>
-            </a:schemeClr>
-          </a:lnRef>
-          <a:fillRef idx="1">
-            <a:schemeClr val="dk1"/>
-          </a:fillRef>
-          <a:effectRef idx="0">
-            <a:schemeClr val="dk1"/>
-          </a:effectRef>
-          <a:fontRef idx="minor">
-            <a:schemeClr val="lt1"/>
-          </a:fontRef>
-        </p:style>
-        <p:txBody>
-          <a:bodyPr rtlCol="0" anchor="ctr"/>
-          <a:lstStyle/>
-          <a:p>
-            <a:pPr algn="ctr"/>
-            <a:endParaRPr lang="en-US"/>
-          </a:p>
-        </p:txBody>
-      </p:sp>
-      <p:sp>
-        <p:nvSpPr>
           <p:cNvPr id="25" name="Up Arrow 24"/>
           <p:cNvSpPr/>
           <p:nvPr/>
@@ -6755,46 +7026,6 @@
           <a:xfrm rot="10800000">
             <a:off x="7645400" y="4105275"/>
             <a:ext cx="469900" cy="287336"/>
-          </a:xfrm>
-          <a:prstGeom prst="upArrow">
-            <a:avLst/>
-          </a:prstGeom>
-        </p:spPr>
-        <p:style>
-          <a:lnRef idx="2">
-            <a:schemeClr val="dk1">
-              <a:shade val="50000"/>
-            </a:schemeClr>
-          </a:lnRef>
-          <a:fillRef idx="1">
-            <a:schemeClr val="dk1"/>
-          </a:fillRef>
-          <a:effectRef idx="0">
-            <a:schemeClr val="dk1"/>
-          </a:effectRef>
-          <a:fontRef idx="minor">
-            <a:schemeClr val="lt1"/>
-          </a:fontRef>
-        </p:style>
-        <p:txBody>
-          <a:bodyPr rtlCol="0" anchor="ctr"/>
-          <a:lstStyle/>
-          <a:p>
-            <a:pPr algn="ctr"/>
-            <a:endParaRPr lang="en-US"/>
-          </a:p>
-        </p:txBody>
-      </p:sp>
-      <p:sp>
-        <p:nvSpPr>
-          <p:cNvPr id="46" name="Up Arrow 45"/>
-          <p:cNvSpPr/>
-          <p:nvPr/>
-        </p:nvSpPr>
-        <p:spPr>
-          <a:xfrm rot="10800000">
-            <a:off x="7313612" y="4979989"/>
-            <a:ext cx="469900" cy="381000"/>
           </a:xfrm>
           <a:prstGeom prst="upArrow">
             <a:avLst/>
@@ -7159,6 +7390,214 @@
           </a:p>
         </p:txBody>
       </p:sp>
+      <p:sp>
+        <p:nvSpPr>
+          <p:cNvPr id="42" name="Can 41"/>
+          <p:cNvSpPr/>
+          <p:nvPr/>
+        </p:nvSpPr>
+        <p:spPr>
+          <a:xfrm>
+            <a:off x="5208638" y="5161672"/>
+            <a:ext cx="1790700" cy="1435100"/>
+          </a:xfrm>
+          <a:prstGeom prst="can">
+            <a:avLst/>
+          </a:prstGeom>
+        </p:spPr>
+        <p:style>
+          <a:lnRef idx="2">
+            <a:schemeClr val="accent1">
+              <a:shade val="50000"/>
+            </a:schemeClr>
+          </a:lnRef>
+          <a:fillRef idx="1">
+            <a:schemeClr val="accent1"/>
+          </a:fillRef>
+          <a:effectRef idx="0">
+            <a:schemeClr val="accent1"/>
+          </a:effectRef>
+          <a:fontRef idx="minor">
+            <a:schemeClr val="lt1"/>
+          </a:fontRef>
+        </p:style>
+        <p:txBody>
+          <a:bodyPr rtlCol="0" anchor="ctr"/>
+          <a:lstStyle/>
+          <a:p>
+            <a:pPr algn="ctr"/>
+            <a:r>
+              <a:rPr lang="en-US" dirty="0" err="1" smtClean="0"/>
+              <a:t>Fitbit</a:t>
+            </a:r>
+            <a:r>
+              <a:rPr lang="en-US" dirty="0" smtClean="0"/>
+              <a:t> Data Repository</a:t>
+            </a:r>
+            <a:endParaRPr lang="en-US" dirty="0"/>
+          </a:p>
+        </p:txBody>
+      </p:sp>
+      <p:sp>
+        <p:nvSpPr>
+          <p:cNvPr id="43" name="Up Arrow 42"/>
+          <p:cNvSpPr/>
+          <p:nvPr/>
+        </p:nvSpPr>
+        <p:spPr>
+          <a:xfrm>
+            <a:off x="7412038" y="4979989"/>
+            <a:ext cx="469900" cy="381000"/>
+          </a:xfrm>
+          <a:prstGeom prst="upArrow">
+            <a:avLst/>
+          </a:prstGeom>
+        </p:spPr>
+        <p:style>
+          <a:lnRef idx="2">
+            <a:schemeClr val="dk1">
+              <a:shade val="50000"/>
+            </a:schemeClr>
+          </a:lnRef>
+          <a:fillRef idx="1">
+            <a:schemeClr val="dk1"/>
+          </a:fillRef>
+          <a:effectRef idx="0">
+            <a:schemeClr val="dk1"/>
+          </a:effectRef>
+          <a:fontRef idx="minor">
+            <a:schemeClr val="lt1"/>
+          </a:fontRef>
+        </p:style>
+        <p:txBody>
+          <a:bodyPr rtlCol="0" anchor="ctr"/>
+          <a:lstStyle/>
+          <a:p>
+            <a:pPr algn="ctr"/>
+            <a:endParaRPr lang="en-US"/>
+          </a:p>
+        </p:txBody>
+      </p:sp>
+      <p:sp>
+        <p:nvSpPr>
+          <p:cNvPr id="45" name="Up Arrow 44"/>
+          <p:cNvSpPr/>
+          <p:nvPr/>
+        </p:nvSpPr>
+        <p:spPr>
+          <a:xfrm rot="10800000">
+            <a:off x="7955362" y="4980900"/>
+            <a:ext cx="469900" cy="381000"/>
+          </a:xfrm>
+          <a:prstGeom prst="upArrow">
+            <a:avLst/>
+          </a:prstGeom>
+        </p:spPr>
+        <p:style>
+          <a:lnRef idx="2">
+            <a:schemeClr val="dk1">
+              <a:shade val="50000"/>
+            </a:schemeClr>
+          </a:lnRef>
+          <a:fillRef idx="1">
+            <a:schemeClr val="dk1"/>
+          </a:fillRef>
+          <a:effectRef idx="0">
+            <a:schemeClr val="dk1"/>
+          </a:effectRef>
+          <a:fontRef idx="minor">
+            <a:schemeClr val="lt1"/>
+          </a:fontRef>
+        </p:style>
+        <p:txBody>
+          <a:bodyPr rtlCol="0" anchor="ctr"/>
+          <a:lstStyle/>
+          <a:p>
+            <a:pPr algn="ctr"/>
+            <a:endParaRPr lang="en-US"/>
+          </a:p>
+        </p:txBody>
+      </p:sp>
+      <p:sp>
+        <p:nvSpPr>
+          <p:cNvPr id="24" name="Up Arrow 23"/>
+          <p:cNvSpPr/>
+          <p:nvPr/>
+        </p:nvSpPr>
+        <p:spPr>
+          <a:xfrm>
+            <a:off x="5876728" y="4962528"/>
+            <a:ext cx="469900" cy="381000"/>
+          </a:xfrm>
+          <a:prstGeom prst="upArrow">
+            <a:avLst/>
+          </a:prstGeom>
+        </p:spPr>
+        <p:style>
+          <a:lnRef idx="2">
+            <a:schemeClr val="dk1">
+              <a:shade val="50000"/>
+            </a:schemeClr>
+          </a:lnRef>
+          <a:fillRef idx="1">
+            <a:schemeClr val="dk1"/>
+          </a:fillRef>
+          <a:effectRef idx="0">
+            <a:schemeClr val="dk1"/>
+          </a:effectRef>
+          <a:fontRef idx="minor">
+            <a:schemeClr val="lt1"/>
+          </a:fontRef>
+        </p:style>
+        <p:txBody>
+          <a:bodyPr rtlCol="0" anchor="ctr"/>
+          <a:lstStyle/>
+          <a:p>
+            <a:pPr algn="ctr"/>
+            <a:endParaRPr lang="en-US"/>
+          </a:p>
+        </p:txBody>
+      </p:sp>
+      <p:sp>
+        <p:nvSpPr>
+          <p:cNvPr id="49" name="Up Arrow 48"/>
+          <p:cNvSpPr/>
+          <p:nvPr/>
+        </p:nvSpPr>
+        <p:spPr>
+          <a:xfrm rot="10800000">
+            <a:off x="1564678" y="4960093"/>
+            <a:ext cx="469900" cy="381000"/>
+          </a:xfrm>
+          <a:prstGeom prst="upArrow">
+            <a:avLst/>
+          </a:prstGeom>
+        </p:spPr>
+        <p:style>
+          <a:lnRef idx="2">
+            <a:schemeClr val="dk1">
+              <a:shade val="50000"/>
+            </a:schemeClr>
+          </a:lnRef>
+          <a:fillRef idx="1">
+            <a:schemeClr val="dk1"/>
+          </a:fillRef>
+          <a:effectRef idx="0">
+            <a:schemeClr val="dk1"/>
+          </a:effectRef>
+          <a:fontRef idx="minor">
+            <a:schemeClr val="lt1"/>
+          </a:fontRef>
+        </p:style>
+        <p:txBody>
+          <a:bodyPr rtlCol="0" anchor="ctr"/>
+          <a:lstStyle/>
+          <a:p>
+            <a:pPr algn="ctr"/>
+            <a:endParaRPr lang="en-US"/>
+          </a:p>
+        </p:txBody>
+      </p:sp>
     </p:spTree>
     <p:extLst>
       <p:ext uri="{BB962C8B-B14F-4D97-AF65-F5344CB8AC3E}">
@@ -7172,6 +7611,13 @@
   <p:transition spd="slow">
     <p:fade/>
   </p:transition>
+  <p:timing>
+    <p:tnLst>
+      <p:par>
+        <p:cTn id="1" dur="indefinite" restart="never" nodeType="tmRoot"/>
+      </p:par>
+    </p:tnLst>
+  </p:timing>
 </p:sld>
 </file>
 
@@ -7209,7 +7655,7 @@
           <a:p>
             <a:r>
               <a:rPr lang="en-US" dirty="0" smtClean="0"/>
-              <a:t>Functional Requirements</a:t>
+              <a:t>Database Overview</a:t>
             </a:r>
             <a:endParaRPr lang="en-US" dirty="0"/>
           </a:p>
@@ -7228,7 +7674,7 @@
         <p:spPr/>
         <p:txBody>
           <a:bodyPr>
-            <a:normAutofit fontScale="70000" lnSpcReduction="20000"/>
+            <a:normAutofit fontScale="92500" lnSpcReduction="20000"/>
           </a:bodyPr>
           <a:lstStyle/>
           <a:p>
@@ -7236,44 +7682,16 @@
               <a:buNone/>
             </a:pPr>
             <a:r>
-              <a:rPr lang="en-US" sz="2600" b="1" dirty="0"/>
-              <a:t>Staff </a:t>
-            </a:r>
-            <a:r>
               <a:rPr lang="en-US" sz="2600" b="1" dirty="0" smtClean="0"/>
-              <a:t>portal</a:t>
+              <a:t>FHIR DB</a:t>
             </a:r>
           </a:p>
           <a:p>
             <a:r>
               <a:rPr lang="en-US" dirty="0" smtClean="0"/>
-              <a:t>page </a:t>
-            </a:r>
-            <a:r>
-              <a:rPr lang="en-US" dirty="0"/>
-              <a:t>to add basic data about a patient (weight, height, </a:t>
-            </a:r>
-            <a:r>
-              <a:rPr lang="en-US" dirty="0" err="1"/>
-              <a:t>etc</a:t>
-            </a:r>
-            <a:r>
-              <a:rPr lang="en-US" dirty="0"/>
-              <a:t>)</a:t>
-            </a:r>
-          </a:p>
-          <a:p>
-            <a:r>
-              <a:rPr lang="en-US" dirty="0"/>
-              <a:t>page to port data for a patient from an EHR</a:t>
-            </a:r>
-          </a:p>
-          <a:p>
-            <a:r>
-              <a:rPr lang="en-US" dirty="0"/>
-              <a:t>page to assign treatments/medications to a user ** should use service to calculate treatment risks and throw errors accordingly ** should show </a:t>
-            </a:r>
-            <a:endParaRPr lang="en-US" dirty="0" smtClean="0"/>
+              <a:t>Retrieves allergy of a specific patient and allergy intolerance resource</a:t>
+            </a:r>
+            <a:endParaRPr lang="en-US" dirty="0"/>
           </a:p>
           <a:p>
             <a:pPr marL="0" indent="0">
@@ -7281,66 +7699,332 @@
             </a:pPr>
             <a:r>
               <a:rPr lang="en-US" sz="2900" b="1" dirty="0" smtClean="0"/>
-              <a:t>User </a:t>
-            </a:r>
-            <a:r>
-              <a:rPr lang="en-US" sz="2900" b="1" dirty="0"/>
-              <a:t>Portal</a:t>
-            </a:r>
-          </a:p>
-          <a:p>
-            <a:r>
-              <a:rPr lang="en-US" dirty="0"/>
-              <a:t>page to port dietary data from </a:t>
-            </a:r>
-            <a:r>
-              <a:rPr lang="en-US" dirty="0" err="1"/>
-              <a:t>fitbit</a:t>
+              <a:t>EHR Repositories</a:t>
+            </a:r>
+            <a:endParaRPr lang="en-US" sz="2900" b="1" dirty="0"/>
+          </a:p>
+          <a:p>
+            <a:r>
+              <a:rPr lang="en-US" dirty="0" smtClean="0"/>
+              <a:t>Patient’s data from other EHR’s databases</a:t>
             </a:r>
             <a:endParaRPr lang="en-US" dirty="0"/>
-          </a:p>
-          <a:p>
-            <a:r>
-              <a:rPr lang="en-US" dirty="0"/>
-              <a:t>page to port existing EHR data from other sources</a:t>
-            </a:r>
-          </a:p>
-          <a:p>
-            <a:r>
-              <a:rPr lang="en-US" dirty="0"/>
-              <a:t>page to view treatments/medications, and any warnings associated with them</a:t>
-            </a:r>
           </a:p>
           <a:p>
             <a:pPr marL="0" indent="0">
               <a:buNone/>
             </a:pPr>
             <a:r>
-              <a:rPr lang="en-US" sz="2900" b="1" dirty="0"/>
-              <a:t>Treatment Service</a:t>
-            </a:r>
-          </a:p>
-          <a:p>
-            <a:r>
-              <a:rPr lang="en-US" dirty="0"/>
-              <a:t>Service should take in patient data (no saving), allergy info, history, and treatment regime and return warnings if treatments will cause issues. This includes IV medication timings, prescription interactions, and interactions.</a:t>
-            </a:r>
-          </a:p>
-          <a:p>
-            <a:r>
-              <a:rPr lang="en-US" dirty="0"/>
-              <a:t>Service should also return any data regarding time components of treatment regimes</a:t>
-            </a:r>
-          </a:p>
-          <a:p>
+              <a:rPr lang="en-US" sz="2900" b="1" dirty="0" err="1" smtClean="0"/>
+              <a:t>Fitbit</a:t>
+            </a:r>
+            <a:r>
+              <a:rPr lang="en-US" sz="2900" b="1" dirty="0" smtClean="0"/>
+              <a:t> Data</a:t>
+            </a:r>
+          </a:p>
+          <a:p>
+            <a:r>
+              <a:rPr lang="en-US" dirty="0" smtClean="0"/>
+              <a:t>Dietary Data</a:t>
+            </a:r>
+            <a:endParaRPr lang="en-US" sz="2900" dirty="0" smtClean="0"/>
+          </a:p>
+          <a:p>
+            <a:pPr marL="0" indent="0">
+              <a:buNone/>
+            </a:pPr>
+            <a:r>
+              <a:rPr lang="en-US" sz="2900" b="1" dirty="0" smtClean="0"/>
+              <a:t>Patient Data Repository</a:t>
+            </a:r>
+            <a:endParaRPr lang="en-US" sz="2900" b="1" dirty="0"/>
+          </a:p>
+          <a:p>
+            <a:r>
+              <a:rPr lang="en-US" dirty="0" smtClean="0"/>
+              <a:t>Stores login data for patients</a:t>
+            </a:r>
+            <a:br>
+              <a:rPr lang="en-US" dirty="0" smtClean="0"/>
+            </a:br>
+            <a:r>
+              <a:rPr lang="en-US" dirty="0" smtClean="0"/>
+              <a:t>and administrators</a:t>
+            </a:r>
             <a:endParaRPr lang="en-US" dirty="0"/>
           </a:p>
         </p:txBody>
       </p:sp>
+      <p:graphicFrame>
+        <p:nvGraphicFramePr>
+          <p:cNvPr id="4" name="Table 3"/>
+          <p:cNvGraphicFramePr>
+            <a:graphicFrameLocks noGrp="1"/>
+          </p:cNvGraphicFramePr>
+          <p:nvPr>
+            <p:extLst>
+              <p:ext uri="{D42A27DB-BD31-4B8C-83A1-F6EECF244321}">
+                <p14:modId xmlns:p14="http://schemas.microsoft.com/office/powerpoint/2010/main" val="1291108498"/>
+              </p:ext>
+            </p:extLst>
+          </p:nvPr>
+        </p:nvGraphicFramePr>
+        <p:xfrm>
+          <a:off x="4572000" y="5257800"/>
+          <a:ext cx="4038600" cy="817752"/>
+        </p:xfrm>
+        <a:graphic>
+          <a:graphicData uri="http://schemas.openxmlformats.org/drawingml/2006/table">
+            <a:tbl>
+              <a:tblPr firstRow="1" bandRow="1">
+                <a:tableStyleId>{5C22544A-7EE6-4342-B048-85BDC9FD1C3A}</a:tableStyleId>
+              </a:tblPr>
+              <a:tblGrid>
+                <a:gridCol w="807720"/>
+                <a:gridCol w="807720"/>
+                <a:gridCol w="807720"/>
+                <a:gridCol w="807720"/>
+                <a:gridCol w="807720"/>
+              </a:tblGrid>
+              <a:tr h="279528">
+                <a:tc gridSpan="5">
+                  <a:txBody>
+                    <a:bodyPr/>
+                    <a:lstStyle/>
+                    <a:p>
+                      <a:pPr algn="ctr"/>
+                      <a:r>
+                        <a:rPr lang="en-US" sz="1600" dirty="0" smtClean="0"/>
+                        <a:t>Patient Data Repository</a:t>
+                      </a:r>
+                      <a:endParaRPr lang="en-US" sz="1600" dirty="0"/>
+                    </a:p>
+                  </a:txBody>
+                  <a:tcPr>
+                    <a:lnL w="12700" cap="flat" cmpd="sng" algn="ctr">
+                      <a:solidFill>
+                        <a:schemeClr val="tx1"/>
+                      </a:solidFill>
+                      <a:prstDash val="solid"/>
+                      <a:round/>
+                      <a:headEnd type="none" w="med" len="med"/>
+                      <a:tailEnd type="none" w="med" len="med"/>
+                    </a:lnL>
+                    <a:lnR w="12700" cap="flat" cmpd="sng" algn="ctr">
+                      <a:solidFill>
+                        <a:schemeClr val="tx1"/>
+                      </a:solidFill>
+                      <a:prstDash val="solid"/>
+                      <a:round/>
+                      <a:headEnd type="none" w="med" len="med"/>
+                      <a:tailEnd type="none" w="med" len="med"/>
+                    </a:lnR>
+                    <a:lnT w="12700" cap="flat" cmpd="sng" algn="ctr">
+                      <a:solidFill>
+                        <a:schemeClr val="tx1"/>
+                      </a:solidFill>
+                      <a:prstDash val="solid"/>
+                      <a:round/>
+                      <a:headEnd type="none" w="med" len="med"/>
+                      <a:tailEnd type="none" w="med" len="med"/>
+                    </a:lnT>
+                  </a:tcPr>
+                </a:tc>
+                <a:tc hMerge="1">
+                  <a:txBody>
+                    <a:bodyPr/>
+                    <a:lstStyle/>
+                    <a:p>
+                      <a:endParaRPr lang="en-US"/>
+                    </a:p>
+                  </a:txBody>
+                  <a:tcPr/>
+                </a:tc>
+                <a:tc hMerge="1">
+                  <a:txBody>
+                    <a:bodyPr/>
+                    <a:lstStyle/>
+                    <a:p>
+                      <a:endParaRPr lang="en-US" dirty="0"/>
+                    </a:p>
+                  </a:txBody>
+                  <a:tcPr/>
+                </a:tc>
+                <a:tc hMerge="1">
+                  <a:txBody>
+                    <a:bodyPr/>
+                    <a:lstStyle/>
+                    <a:p>
+                      <a:endParaRPr lang="en-US"/>
+                    </a:p>
+                  </a:txBody>
+                  <a:tcPr/>
+                </a:tc>
+                <a:tc hMerge="1">
+                  <a:txBody>
+                    <a:bodyPr/>
+                    <a:lstStyle/>
+                    <a:p>
+                      <a:endParaRPr lang="en-US" dirty="0"/>
+                    </a:p>
+                  </a:txBody>
+                  <a:tcPr/>
+                </a:tc>
+              </a:tr>
+              <a:tr h="482472">
+                <a:tc>
+                  <a:txBody>
+                    <a:bodyPr/>
+                    <a:lstStyle/>
+                    <a:p>
+                      <a:pPr algn="ctr"/>
+                      <a:r>
+                        <a:rPr lang="en-US" sz="1000" u="sng" dirty="0" err="1" smtClean="0"/>
+                        <a:t>FirstName</a:t>
+                      </a:r>
+                      <a:endParaRPr lang="en-US" sz="1000" u="sng" dirty="0"/>
+                    </a:p>
+                  </a:txBody>
+                  <a:tcPr>
+                    <a:lnL w="12700" cap="flat" cmpd="sng" algn="ctr">
+                      <a:solidFill>
+                        <a:schemeClr val="tx1"/>
+                      </a:solidFill>
+                      <a:prstDash val="solid"/>
+                      <a:round/>
+                      <a:headEnd type="none" w="med" len="med"/>
+                      <a:tailEnd type="none" w="med" len="med"/>
+                    </a:lnL>
+                    <a:lnB w="12700" cap="flat" cmpd="sng" algn="ctr">
+                      <a:solidFill>
+                        <a:schemeClr val="tx1"/>
+                      </a:solidFill>
+                      <a:prstDash val="solid"/>
+                      <a:round/>
+                      <a:headEnd type="none" w="med" len="med"/>
+                      <a:tailEnd type="none" w="med" len="med"/>
+                    </a:lnB>
+                  </a:tcPr>
+                </a:tc>
+                <a:tc>
+                  <a:txBody>
+                    <a:bodyPr/>
+                    <a:lstStyle/>
+                    <a:p>
+                      <a:pPr algn="ctr"/>
+                      <a:r>
+                        <a:rPr lang="en-US" sz="1000" u="sng" dirty="0" err="1" smtClean="0"/>
+                        <a:t>LastName</a:t>
+                      </a:r>
+                      <a:endParaRPr lang="en-US" sz="1000" u="sng" dirty="0"/>
+                    </a:p>
+                  </a:txBody>
+                  <a:tcPr>
+                    <a:lnB w="12700" cap="flat" cmpd="sng" algn="ctr">
+                      <a:solidFill>
+                        <a:schemeClr val="tx1"/>
+                      </a:solidFill>
+                      <a:prstDash val="solid"/>
+                      <a:round/>
+                      <a:headEnd type="none" w="med" len="med"/>
+                      <a:tailEnd type="none" w="med" len="med"/>
+                    </a:lnB>
+                  </a:tcPr>
+                </a:tc>
+                <a:tc>
+                  <a:txBody>
+                    <a:bodyPr/>
+                    <a:lstStyle/>
+                    <a:p>
+                      <a:pPr algn="ctr"/>
+                      <a:r>
+                        <a:rPr lang="en-US" sz="1000" u="sng" dirty="0" smtClean="0"/>
+                        <a:t>Email</a:t>
+                      </a:r>
+                      <a:endParaRPr lang="en-US" sz="1000" u="sng" dirty="0"/>
+                    </a:p>
+                  </a:txBody>
+                  <a:tcPr>
+                    <a:lnB w="12700" cap="flat" cmpd="sng" algn="ctr">
+                      <a:solidFill>
+                        <a:schemeClr val="tx1"/>
+                      </a:solidFill>
+                      <a:prstDash val="solid"/>
+                      <a:round/>
+                      <a:headEnd type="none" w="med" len="med"/>
+                      <a:tailEnd type="none" w="med" len="med"/>
+                    </a:lnB>
+                  </a:tcPr>
+                </a:tc>
+                <a:tc>
+                  <a:txBody>
+                    <a:bodyPr/>
+                    <a:lstStyle/>
+                    <a:p>
+                      <a:pPr algn="ctr"/>
+                      <a:r>
+                        <a:rPr lang="en-US" sz="1000" u="sng" dirty="0" err="1" smtClean="0"/>
+                        <a:t>PassHash</a:t>
+                      </a:r>
+                      <a:endParaRPr lang="en-US" sz="1000" u="sng" dirty="0"/>
+                    </a:p>
+                  </a:txBody>
+                  <a:tcPr>
+                    <a:lnB w="12700" cap="flat" cmpd="sng" algn="ctr">
+                      <a:solidFill>
+                        <a:schemeClr val="tx1"/>
+                      </a:solidFill>
+                      <a:prstDash val="solid"/>
+                      <a:round/>
+                      <a:headEnd type="none" w="med" len="med"/>
+                      <a:tailEnd type="none" w="med" len="med"/>
+                    </a:lnB>
+                  </a:tcPr>
+                </a:tc>
+                <a:tc>
+                  <a:txBody>
+                    <a:bodyPr/>
+                    <a:lstStyle/>
+                    <a:p>
+                      <a:pPr algn="ctr"/>
+                      <a:r>
+                        <a:rPr lang="en-US" sz="1000" u="sng" dirty="0" err="1" smtClean="0"/>
+                        <a:t>UniqueID</a:t>
+                      </a:r>
+                      <a:endParaRPr lang="en-US" sz="1000" u="sng" dirty="0"/>
+                    </a:p>
+                  </a:txBody>
+                  <a:tcPr>
+                    <a:lnR w="12700" cap="flat" cmpd="sng" algn="ctr">
+                      <a:solidFill>
+                        <a:schemeClr val="tx1"/>
+                      </a:solidFill>
+                      <a:prstDash val="solid"/>
+                      <a:round/>
+                      <a:headEnd type="none" w="med" len="med"/>
+                      <a:tailEnd type="none" w="med" len="med"/>
+                    </a:lnR>
+                    <a:lnB w="12700" cap="flat" cmpd="sng" algn="ctr">
+                      <a:solidFill>
+                        <a:schemeClr val="tx1"/>
+                      </a:solidFill>
+                      <a:prstDash val="solid"/>
+                      <a:round/>
+                      <a:headEnd type="none" w="med" len="med"/>
+                      <a:tailEnd type="none" w="med" len="med"/>
+                    </a:lnB>
+                  </a:tcPr>
+                </a:tc>
+              </a:tr>
+            </a:tbl>
+          </a:graphicData>
+        </a:graphic>
+      </p:graphicFrame>
     </p:spTree>
     <p:extLst>
       <p:ext uri="{BB962C8B-B14F-4D97-AF65-F5344CB8AC3E}">
-        <p14:creationId xmlns:p14="http://schemas.microsoft.com/office/powerpoint/2010/main" val="2583127277"/>
+        <p14:creationId xmlns:p14="http://schemas.microsoft.com/office/powerpoint/2010/main" val="1893531455"/>
       </p:ext>
     </p:extLst>
   </p:cSld>
@@ -7350,6 +8034,13 @@
   <p:transition spd="slow">
     <p:fade/>
   </p:transition>
+  <p:timing>
+    <p:tnLst>
+      <p:par>
+        <p:cTn id="1" dur="indefinite" restart="never" nodeType="tmRoot"/>
+      </p:par>
+    </p:tnLst>
+  </p:timing>
 </p:sld>
 </file>
 
@@ -7387,6 +8078,191 @@
           <a:p>
             <a:r>
               <a:rPr lang="en-US" dirty="0" smtClean="0"/>
+              <a:t>Functional Requirements</a:t>
+            </a:r>
+            <a:endParaRPr lang="en-US" dirty="0"/>
+          </a:p>
+        </p:txBody>
+      </p:sp>
+      <p:sp>
+        <p:nvSpPr>
+          <p:cNvPr id="3" name="Content Placeholder 2"/>
+          <p:cNvSpPr>
+            <a:spLocks noGrp="1"/>
+          </p:cNvSpPr>
+          <p:nvPr>
+            <p:ph idx="1"/>
+          </p:nvPr>
+        </p:nvSpPr>
+        <p:spPr/>
+        <p:txBody>
+          <a:bodyPr>
+            <a:normAutofit fontScale="70000" lnSpcReduction="20000"/>
+          </a:bodyPr>
+          <a:lstStyle/>
+          <a:p>
+            <a:pPr marL="0" indent="0">
+              <a:buNone/>
+            </a:pPr>
+            <a:r>
+              <a:rPr lang="en-US" sz="2600" b="1" dirty="0"/>
+              <a:t>Staff </a:t>
+            </a:r>
+            <a:r>
+              <a:rPr lang="en-US" sz="2600" b="1" dirty="0" smtClean="0"/>
+              <a:t>portal</a:t>
+            </a:r>
+          </a:p>
+          <a:p>
+            <a:r>
+              <a:rPr lang="en-US" dirty="0" smtClean="0"/>
+              <a:t>page </a:t>
+            </a:r>
+            <a:r>
+              <a:rPr lang="en-US" dirty="0"/>
+              <a:t>to add basic data about a patient (weight, height, </a:t>
+            </a:r>
+            <a:r>
+              <a:rPr lang="en-US" dirty="0" err="1"/>
+              <a:t>etc</a:t>
+            </a:r>
+            <a:r>
+              <a:rPr lang="en-US" dirty="0"/>
+              <a:t>)</a:t>
+            </a:r>
+          </a:p>
+          <a:p>
+            <a:r>
+              <a:rPr lang="en-US" dirty="0"/>
+              <a:t>page to port data for a patient from an EHR</a:t>
+            </a:r>
+          </a:p>
+          <a:p>
+            <a:r>
+              <a:rPr lang="en-US" dirty="0"/>
+              <a:t>page to assign treatments/medications to a user ** should use service to calculate treatment risks and throw errors accordingly ** should show </a:t>
+            </a:r>
+            <a:endParaRPr lang="en-US" dirty="0" smtClean="0"/>
+          </a:p>
+          <a:p>
+            <a:pPr marL="0" indent="0">
+              <a:buNone/>
+            </a:pPr>
+            <a:r>
+              <a:rPr lang="en-US" sz="2900" b="1" dirty="0" smtClean="0"/>
+              <a:t>User </a:t>
+            </a:r>
+            <a:r>
+              <a:rPr lang="en-US" sz="2900" b="1" dirty="0"/>
+              <a:t>Portal</a:t>
+            </a:r>
+          </a:p>
+          <a:p>
+            <a:r>
+              <a:rPr lang="en-US" dirty="0"/>
+              <a:t>page to port dietary data from </a:t>
+            </a:r>
+            <a:r>
+              <a:rPr lang="en-US" dirty="0" err="1"/>
+              <a:t>fitbit</a:t>
+            </a:r>
+            <a:endParaRPr lang="en-US" dirty="0"/>
+          </a:p>
+          <a:p>
+            <a:r>
+              <a:rPr lang="en-US" dirty="0"/>
+              <a:t>page to port existing EHR data from other sources</a:t>
+            </a:r>
+          </a:p>
+          <a:p>
+            <a:r>
+              <a:rPr lang="en-US" dirty="0"/>
+              <a:t>page to view treatments/medications, and any warnings associated with them</a:t>
+            </a:r>
+          </a:p>
+          <a:p>
+            <a:pPr marL="0" indent="0">
+              <a:buNone/>
+            </a:pPr>
+            <a:r>
+              <a:rPr lang="en-US" sz="2900" b="1" dirty="0"/>
+              <a:t>Treatment Service</a:t>
+            </a:r>
+          </a:p>
+          <a:p>
+            <a:r>
+              <a:rPr lang="en-US" dirty="0"/>
+              <a:t>Service should take in patient data (no saving), allergy info, history, and treatment regime and return warnings if treatments will cause issues. This includes IV medication timings, prescription interactions, and interactions.</a:t>
+            </a:r>
+          </a:p>
+          <a:p>
+            <a:r>
+              <a:rPr lang="en-US" dirty="0"/>
+              <a:t>Service should also return any data regarding time components of treatment regimes</a:t>
+            </a:r>
+          </a:p>
+          <a:p>
+            <a:endParaRPr lang="en-US" dirty="0"/>
+          </a:p>
+        </p:txBody>
+      </p:sp>
+    </p:spTree>
+    <p:extLst>
+      <p:ext uri="{BB962C8B-B14F-4D97-AF65-F5344CB8AC3E}">
+        <p14:creationId xmlns:p14="http://schemas.microsoft.com/office/powerpoint/2010/main" val="2583127277"/>
+      </p:ext>
+    </p:extLst>
+  </p:cSld>
+  <p:clrMapOvr>
+    <a:masterClrMapping/>
+  </p:clrMapOvr>
+  <p:transition spd="slow">
+    <p:fade/>
+  </p:transition>
+  <p:timing>
+    <p:tnLst>
+      <p:par>
+        <p:cTn id="1" dur="indefinite" restart="never" nodeType="tmRoot"/>
+      </p:par>
+    </p:tnLst>
+  </p:timing>
+</p:sld>
+</file>
+
+<file path=ppt/slides/slide6.xml><?xml version="1.0" encoding="utf-8"?>
+<p:sld xmlns:a="http://schemas.openxmlformats.org/drawingml/2006/main" xmlns:r="http://schemas.openxmlformats.org/officeDocument/2006/relationships" xmlns:p="http://schemas.openxmlformats.org/presentationml/2006/main">
+  <p:cSld>
+    <p:spTree>
+      <p:nvGrpSpPr>
+        <p:cNvPr id="1" name=""/>
+        <p:cNvGrpSpPr/>
+        <p:nvPr/>
+      </p:nvGrpSpPr>
+      <p:grpSpPr>
+        <a:xfrm>
+          <a:off x="0" y="0"/>
+          <a:ext cx="0" cy="0"/>
+          <a:chOff x="0" y="0"/>
+          <a:chExt cx="0" cy="0"/>
+        </a:xfrm>
+      </p:grpSpPr>
+      <p:sp>
+        <p:nvSpPr>
+          <p:cNvPr id="2" name="Title 1"/>
+          <p:cNvSpPr>
+            <a:spLocks noGrp="1"/>
+          </p:cNvSpPr>
+          <p:nvPr>
+            <p:ph type="title"/>
+          </p:nvPr>
+        </p:nvSpPr>
+        <p:spPr/>
+        <p:txBody>
+          <a:bodyPr/>
+          <a:lstStyle/>
+          <a:p>
+            <a:r>
+              <a:rPr lang="en-US" dirty="0" smtClean="0"/>
               <a:t>Technology Requirements</a:t>
             </a:r>
             <a:endParaRPr lang="en-US" dirty="0"/>
@@ -7500,7 +8376,7 @@
 </p:sld>
 </file>
 
-<file path=ppt/slides/slide6.xml><?xml version="1.0" encoding="utf-8"?>
+<file path=ppt/slides/slide7.xml><?xml version="1.0" encoding="utf-8"?>
 <p:sld xmlns:a="http://schemas.openxmlformats.org/drawingml/2006/main" xmlns:r="http://schemas.openxmlformats.org/officeDocument/2006/relationships" xmlns:p="http://schemas.openxmlformats.org/presentationml/2006/main">
   <p:cSld>
     <p:spTree>
@@ -7774,7 +8650,7 @@
 </p:sld>
 </file>
 
-<file path=ppt/slides/slide7.xml><?xml version="1.0" encoding="utf-8"?>
+<file path=ppt/slides/slide8.xml><?xml version="1.0" encoding="utf-8"?>
 <p:sld xmlns:a="http://schemas.openxmlformats.org/drawingml/2006/main" xmlns:r="http://schemas.openxmlformats.org/officeDocument/2006/relationships" xmlns:p="http://schemas.openxmlformats.org/presentationml/2006/main">
   <p:cSld>
     <p:spTree>
@@ -7860,171 +8736,6 @@
 </p:sld>
 </file>
 
-<file path=ppt/slides/slide8.xml><?xml version="1.0" encoding="utf-8"?>
-<p:sld xmlns:a="http://schemas.openxmlformats.org/drawingml/2006/main" xmlns:r="http://schemas.openxmlformats.org/officeDocument/2006/relationships" xmlns:p="http://schemas.openxmlformats.org/presentationml/2006/main">
-  <p:cSld>
-    <p:spTree>
-      <p:nvGrpSpPr>
-        <p:cNvPr id="1" name=""/>
-        <p:cNvGrpSpPr/>
-        <p:nvPr/>
-      </p:nvGrpSpPr>
-      <p:grpSpPr>
-        <a:xfrm>
-          <a:off x="0" y="0"/>
-          <a:ext cx="0" cy="0"/>
-          <a:chOff x="0" y="0"/>
-          <a:chExt cx="0" cy="0"/>
-        </a:xfrm>
-      </p:grpSpPr>
-      <p:sp>
-        <p:nvSpPr>
-          <p:cNvPr id="2" name="Title 1"/>
-          <p:cNvSpPr>
-            <a:spLocks noGrp="1"/>
-          </p:cNvSpPr>
-          <p:nvPr>
-            <p:ph type="title"/>
-            <p:custDataLst>
-              <p:tags r:id="rId2"/>
-            </p:custDataLst>
-          </p:nvPr>
-        </p:nvSpPr>
-        <p:spPr/>
-        <p:txBody>
-          <a:bodyPr/>
-          <a:lstStyle/>
-          <a:p>
-            <a:r>
-              <a:rPr lang="en-US" dirty="0" smtClean="0"/>
-              <a:t>Current Status</a:t>
-            </a:r>
-            <a:endParaRPr lang="en-US" dirty="0"/>
-          </a:p>
-        </p:txBody>
-      </p:sp>
-      <p:sp>
-        <p:nvSpPr>
-          <p:cNvPr id="4" name="Content Placeholder 3"/>
-          <p:cNvSpPr>
-            <a:spLocks noGrp="1"/>
-          </p:cNvSpPr>
-          <p:nvPr>
-            <p:ph idx="1"/>
-          </p:nvPr>
-        </p:nvSpPr>
-        <p:spPr/>
-        <p:txBody>
-          <a:bodyPr/>
-          <a:lstStyle/>
-          <a:p>
-            <a:pPr>
-              <a:lnSpc>
-                <a:spcPct val="150000"/>
-              </a:lnSpc>
-            </a:pPr>
-            <a:r>
-              <a:rPr lang="en-US" dirty="0"/>
-              <a:t>What progress has been made since the previous milestone?</a:t>
-            </a:r>
-          </a:p>
-          <a:p>
-            <a:pPr lvl="1">
-              <a:lnSpc>
-                <a:spcPct val="150000"/>
-              </a:lnSpc>
-            </a:pPr>
-            <a:r>
-              <a:rPr lang="en-US" dirty="0" smtClean="0"/>
-              <a:t>EHR Plugin Architecture Defined</a:t>
-            </a:r>
-          </a:p>
-          <a:p>
-            <a:pPr lvl="1">
-              <a:lnSpc>
-                <a:spcPct val="150000"/>
-              </a:lnSpc>
-            </a:pPr>
-            <a:r>
-              <a:rPr lang="en-US" dirty="0" smtClean="0"/>
-              <a:t>Database Design Detailed</a:t>
-            </a:r>
-          </a:p>
-          <a:p>
-            <a:pPr lvl="1">
-              <a:lnSpc>
-                <a:spcPct val="150000"/>
-              </a:lnSpc>
-            </a:pPr>
-            <a:r>
-              <a:rPr lang="en-US" dirty="0" smtClean="0"/>
-              <a:t>Research into Target Platforms and Data Sources (FHIR requests, etc.) – at approximately 55% complete</a:t>
-            </a:r>
-          </a:p>
-          <a:p>
-            <a:pPr lvl="1">
-              <a:lnSpc>
-                <a:spcPct val="150000"/>
-              </a:lnSpc>
-            </a:pPr>
-            <a:r>
-              <a:rPr lang="en-US" dirty="0" smtClean="0"/>
-              <a:t>Prototype EHR ~ 40% complete</a:t>
-            </a:r>
-            <a:endParaRPr lang="en-US" dirty="0"/>
-          </a:p>
-          <a:p>
-            <a:pPr>
-              <a:lnSpc>
-                <a:spcPct val="150000"/>
-              </a:lnSpc>
-            </a:pPr>
-            <a:r>
-              <a:rPr lang="en-US" dirty="0"/>
-              <a:t>Is the project currently ahead of schedule, on track, or delayed?</a:t>
-            </a:r>
-          </a:p>
-          <a:p>
-            <a:pPr lvl="1">
-              <a:lnSpc>
-                <a:spcPct val="150000"/>
-              </a:lnSpc>
-            </a:pPr>
-            <a:r>
-              <a:rPr lang="en-US" b="1" dirty="0" smtClean="0"/>
-              <a:t>ON TRACK</a:t>
-            </a:r>
-            <a:endParaRPr lang="en-US" b="1" dirty="0"/>
-          </a:p>
-          <a:p>
-            <a:pPr marL="0" indent="0">
-              <a:buNone/>
-            </a:pPr>
-            <a:endParaRPr lang="en-US" dirty="0"/>
-          </a:p>
-        </p:txBody>
-      </p:sp>
-    </p:spTree>
-    <p:custDataLst>
-      <p:tags r:id="rId1"/>
-    </p:custDataLst>
-  </p:cSld>
-  <p:clrMapOvr>
-    <a:masterClrMapping/>
-  </p:clrMapOvr>
-  <p:transition spd="slow">
-    <p:fade/>
-  </p:transition>
-  <p:timing>
-    <p:tnLst>
-      <p:par>
-        <p:cTn id="1" dur="indefinite" restart="never" nodeType="tmRoot"/>
-      </p:par>
-    </p:tnLst>
-  </p:timing>
-</p:sld>
-</file>
-
 <file path=ppt/slides/slide9.xml><?xml version="1.0" encoding="utf-8"?>
 <p:sld xmlns:a="http://schemas.openxmlformats.org/drawingml/2006/main" xmlns:r="http://schemas.openxmlformats.org/officeDocument/2006/relationships" xmlns:p="http://schemas.openxmlformats.org/presentationml/2006/main">
   <p:cSld>
@@ -8055,72 +8766,30 @@
             </p:custDataLst>
           </p:nvPr>
         </p:nvSpPr>
-        <p:spPr>
-          <a:xfrm>
-            <a:off x="457200" y="914400"/>
-            <a:ext cx="5410200" cy="914400"/>
-          </a:xfrm>
-        </p:spPr>
+        <p:spPr/>
         <p:txBody>
           <a:bodyPr/>
           <a:lstStyle/>
           <a:p>
             <a:r>
               <a:rPr lang="en-US" dirty="0" smtClean="0"/>
-              <a:t>Looking Ahead</a:t>
+              <a:t>Current Status</a:t>
             </a:r>
             <a:endParaRPr lang="en-US" dirty="0"/>
           </a:p>
         </p:txBody>
       </p:sp>
-      <p:pic>
-        <p:nvPicPr>
-          <p:cNvPr id="4" name="Picture 3"/>
-          <p:cNvPicPr>
-            <a:picLocks noChangeAspect="1"/>
-          </p:cNvPicPr>
-          <p:nvPr/>
-        </p:nvPicPr>
-        <p:blipFill rotWithShape="1">
-          <a:blip r:embed="rId5" cstate="email">
-            <a:extLst>
-              <a:ext uri="{28A0092B-C50C-407E-A947-70E740481C1C}">
-                <a14:useLocalDpi xmlns:a14="http://schemas.microsoft.com/office/drawing/2010/main"/>
-              </a:ext>
-            </a:extLst>
-          </a:blip>
-          <a:srcRect/>
-          <a:stretch/>
-        </p:blipFill>
-        <p:spPr>
-          <a:xfrm>
-            <a:off x="6065520" y="0"/>
-            <a:ext cx="3078480" cy="6858000"/>
-          </a:xfrm>
-          <a:prstGeom prst="rect">
-            <a:avLst/>
-          </a:prstGeom>
-        </p:spPr>
-      </p:pic>
-      <p:sp>
-        <p:nvSpPr>
-          <p:cNvPr id="3" name="Content Placeholder 2"/>
+      <p:sp>
+        <p:nvSpPr>
+          <p:cNvPr id="4" name="Content Placeholder 3"/>
           <p:cNvSpPr>
             <a:spLocks noGrp="1"/>
           </p:cNvSpPr>
           <p:nvPr>
             <p:ph idx="1"/>
-            <p:custDataLst>
-              <p:tags r:id="rId3"/>
-            </p:custDataLst>
-          </p:nvPr>
-        </p:nvSpPr>
-        <p:spPr>
-          <a:xfrm>
-            <a:off x="457200" y="1828800"/>
-            <a:ext cx="5181600" cy="4297363"/>
-          </a:xfrm>
-        </p:spPr>
+          </p:nvPr>
+        </p:nvSpPr>
+        <p:spPr/>
         <p:txBody>
           <a:bodyPr/>
           <a:lstStyle/>
@@ -8131,9 +8800,54 @@
               </a:lnSpc>
             </a:pPr>
             <a:r>
+              <a:rPr lang="en-US" dirty="0"/>
+              <a:t>What progress has been made since the previous milestone?</a:t>
+            </a:r>
+          </a:p>
+          <a:p>
+            <a:pPr lvl="1">
+              <a:lnSpc>
+                <a:spcPct val="150000"/>
+              </a:lnSpc>
+            </a:pPr>
+            <a:r>
               <a:rPr lang="en-US" dirty="0" smtClean="0"/>
-              <a:t>Next Milestone: April 3rd</a:t>
-            </a:r>
+              <a:t>EHR Plugin Architecture Defined</a:t>
+            </a:r>
+          </a:p>
+          <a:p>
+            <a:pPr lvl="1">
+              <a:lnSpc>
+                <a:spcPct val="150000"/>
+              </a:lnSpc>
+            </a:pPr>
+            <a:r>
+              <a:rPr lang="en-US" dirty="0" smtClean="0"/>
+              <a:t>Database Design Detailed</a:t>
+            </a:r>
+          </a:p>
+          <a:p>
+            <a:pPr lvl="1">
+              <a:lnSpc>
+                <a:spcPct val="150000"/>
+              </a:lnSpc>
+            </a:pPr>
+            <a:r>
+              <a:rPr lang="en-US" dirty="0" smtClean="0"/>
+              <a:t>Research into Target Platforms and Data Sources (FHIR requests, etc.) – at approximately 55% complete</a:t>
+            </a:r>
+          </a:p>
+          <a:p>
+            <a:pPr lvl="1">
+              <a:lnSpc>
+                <a:spcPct val="150000"/>
+              </a:lnSpc>
+            </a:pPr>
+            <a:r>
+              <a:rPr lang="en-US" dirty="0" smtClean="0"/>
+              <a:t>Prototype EHR ~ 40% complete</a:t>
+            </a:r>
+            <a:endParaRPr lang="en-US" dirty="0"/>
           </a:p>
           <a:p>
             <a:pPr>
@@ -8143,47 +8857,26 @@
             </a:pPr>
             <a:r>
               <a:rPr lang="en-US" dirty="0"/>
-              <a:t>E</a:t>
-            </a:r>
-            <a:r>
-              <a:rPr lang="en-US" dirty="0" smtClean="0"/>
-              <a:t>xpected deliverables:</a:t>
-            </a:r>
-          </a:p>
-          <a:p>
-            <a:pPr lvl="1"/>
-            <a:r>
-              <a:rPr lang="en-US" dirty="0" smtClean="0"/>
-              <a:t>Completed EHR Prototype</a:t>
-            </a:r>
-          </a:p>
-          <a:p>
-            <a:pPr lvl="1"/>
-            <a:r>
-              <a:rPr lang="en-US" dirty="0" smtClean="0"/>
-              <a:t>Defined set of Project Risks </a:t>
-            </a:r>
-          </a:p>
-          <a:p>
-            <a:pPr lvl="1"/>
-            <a:r>
-              <a:rPr lang="en-US" dirty="0" smtClean="0"/>
-              <a:t>Target Platforms and Data Interop</a:t>
-            </a:r>
-          </a:p>
-          <a:p>
-            <a:pPr lvl="1"/>
-            <a:r>
-              <a:rPr lang="en-US" dirty="0" smtClean="0"/>
-              <a:t>Initial App Full Stack Development</a:t>
-            </a:r>
-          </a:p>
-          <a:p>
-            <a:pPr lvl="1"/>
-            <a:r>
-              <a:rPr lang="en-US" dirty="0" smtClean="0"/>
-              <a:t>Problem Item(s) List</a:t>
-            </a:r>
+              <a:t>Is the project currently ahead of schedule, on track, or delayed?</a:t>
+            </a:r>
+          </a:p>
+          <a:p>
+            <a:pPr lvl="1">
+              <a:lnSpc>
+                <a:spcPct val="150000"/>
+              </a:lnSpc>
+            </a:pPr>
+            <a:r>
+              <a:rPr lang="en-US" b="1" dirty="0" smtClean="0"/>
+              <a:t>ON TRACK</a:t>
+            </a:r>
+            <a:endParaRPr lang="en-US" b="1" dirty="0"/>
+          </a:p>
+          <a:p>
+            <a:pPr marL="0" indent="0">
+              <a:buNone/>
+            </a:pPr>
+            <a:endParaRPr lang="en-US" dirty="0"/>
           </a:p>
         </p:txBody>
       </p:sp>

--- a/Project Status Report 1.pptx
+++ b/Project Status Report 1.pptx
@@ -961,6 +961,325 @@
         </p:nvSpPr>
         <p:spPr/>
         <p:txBody>
+          <a:bodyPr/>
+          <a:lstStyle/>
+          <a:p>
+            <a:r>
+              <a:rPr lang="en-US" dirty="0" smtClean="0"/>
+              <a:t>Here we</a:t>
+            </a:r>
+            <a:r>
+              <a:rPr lang="en-US" baseline="0" dirty="0" smtClean="0"/>
+              <a:t> see the architecture. Starting with the patient app, we see that it interacts with two sources of information. The patient data repository contains the patient's authentication information, and the </a:t>
+            </a:r>
+            <a:r>
+              <a:rPr lang="en-US" baseline="0" dirty="0" err="1" smtClean="0"/>
+              <a:t>fitbit</a:t>
+            </a:r>
+            <a:r>
+              <a:rPr lang="en-US" baseline="0" dirty="0" smtClean="0"/>
+              <a:t> repository contains the patient's dietary information. The patient app (as well could other EHR repositories) pass this information to the decider process, which dispatches the EHR Provider plugin to fetch the patient's data and allergy information from the FHIR database. The decider process uses the fetched data to make a decision regarding the current treatment plan for a patient and reports its findings back to the EHR that requested the information.</a:t>
+            </a:r>
+            <a:endParaRPr lang="en-US" dirty="0"/>
+          </a:p>
+        </p:txBody>
+      </p:sp>
+      <p:sp>
+        <p:nvSpPr>
+          <p:cNvPr id="4" name="Slide Number Placeholder 3"/>
+          <p:cNvSpPr>
+            <a:spLocks noGrp="1"/>
+          </p:cNvSpPr>
+          <p:nvPr>
+            <p:ph type="sldNum" sz="quarter" idx="10"/>
+          </p:nvPr>
+        </p:nvSpPr>
+        <p:spPr/>
+        <p:txBody>
+          <a:bodyPr/>
+          <a:lstStyle/>
+          <a:p>
+            <a:fld id="{F8646707-6BBD-41A9-B4DF-0C76A73A2D2A}" type="slidenum">
+              <a:rPr lang="en-US" smtClean="0"/>
+              <a:t>3</a:t>
+            </a:fld>
+            <a:endParaRPr lang="en-US"/>
+          </a:p>
+        </p:txBody>
+      </p:sp>
+    </p:spTree>
+    <p:extLst>
+      <p:ext uri="{BB962C8B-B14F-4D97-AF65-F5344CB8AC3E}">
+        <p14:creationId xmlns:p14="http://schemas.microsoft.com/office/powerpoint/2010/main" val="996954919"/>
+      </p:ext>
+    </p:extLst>
+  </p:cSld>
+  <p:clrMapOvr>
+    <a:masterClrMapping/>
+  </p:clrMapOvr>
+</p:notes>
+</file>
+
+<file path=ppt/notesSlides/notesSlide4.xml><?xml version="1.0" encoding="utf-8"?>
+<p:notes xmlns:a="http://schemas.openxmlformats.org/drawingml/2006/main" xmlns:r="http://schemas.openxmlformats.org/officeDocument/2006/relationships" xmlns:p="http://schemas.openxmlformats.org/presentationml/2006/main">
+  <p:cSld>
+    <p:spTree>
+      <p:nvGrpSpPr>
+        <p:cNvPr id="1" name=""/>
+        <p:cNvGrpSpPr/>
+        <p:nvPr/>
+      </p:nvGrpSpPr>
+      <p:grpSpPr>
+        <a:xfrm>
+          <a:off x="0" y="0"/>
+          <a:ext cx="0" cy="0"/>
+          <a:chOff x="0" y="0"/>
+          <a:chExt cx="0" cy="0"/>
+        </a:xfrm>
+      </p:grpSpPr>
+      <p:sp>
+        <p:nvSpPr>
+          <p:cNvPr id="2" name="Slide Image Placeholder 1"/>
+          <p:cNvSpPr>
+            <a:spLocks noGrp="1" noRot="1" noChangeAspect="1"/>
+          </p:cNvSpPr>
+          <p:nvPr>
+            <p:ph type="sldImg"/>
+          </p:nvPr>
+        </p:nvSpPr>
+        <p:spPr/>
+      </p:sp>
+      <p:sp>
+        <p:nvSpPr>
+          <p:cNvPr id="3" name="Notes Placeholder 2"/>
+          <p:cNvSpPr>
+            <a:spLocks noGrp="1"/>
+          </p:cNvSpPr>
+          <p:nvPr>
+            <p:ph type="body" idx="1"/>
+          </p:nvPr>
+        </p:nvSpPr>
+        <p:spPr/>
+        <p:txBody>
+          <a:bodyPr/>
+          <a:lstStyle/>
+          <a:p>
+            <a:r>
+              <a:rPr lang="en-US" dirty="0" smtClean="0"/>
+              <a:t>Database Overview. So we have the FHIR database which contains the</a:t>
+            </a:r>
+            <a:r>
+              <a:rPr lang="en-US" baseline="0" dirty="0" smtClean="0"/>
+              <a:t> allergy of a specific patient.</a:t>
+            </a:r>
+          </a:p>
+          <a:p>
+            <a:endParaRPr lang="en-US" baseline="0" dirty="0" smtClean="0"/>
+          </a:p>
+          <a:p>
+            <a:r>
+              <a:rPr lang="en-US" baseline="0" dirty="0" smtClean="0"/>
+              <a:t>We have EHR Repositories, which contain patient data from respective databases of other EHR's.</a:t>
+            </a:r>
+          </a:p>
+          <a:p>
+            <a:endParaRPr lang="en-US" baseline="0" dirty="0" smtClean="0"/>
+          </a:p>
+          <a:p>
+            <a:r>
+              <a:rPr lang="en-US" baseline="0" dirty="0" smtClean="0"/>
+              <a:t>We also </a:t>
+            </a:r>
+            <a:r>
+              <a:rPr lang="en-US" baseline="0" dirty="0" err="1" smtClean="0"/>
+              <a:t>Fitbit</a:t>
+            </a:r>
+            <a:r>
+              <a:rPr lang="en-US" baseline="0" dirty="0" smtClean="0"/>
+              <a:t> Data which contains the patient's dietary data</a:t>
+            </a:r>
+          </a:p>
+          <a:p>
+            <a:endParaRPr lang="en-US" baseline="0" dirty="0" smtClean="0"/>
+          </a:p>
+          <a:p>
+            <a:r>
+              <a:rPr lang="en-US" baseline="0" dirty="0" smtClean="0"/>
+              <a:t>And finally, we have the Patient Data Repository from our Patient app, which contains the login data for patients and administrators</a:t>
+            </a:r>
+            <a:endParaRPr lang="en-US" dirty="0"/>
+          </a:p>
+        </p:txBody>
+      </p:sp>
+      <p:sp>
+        <p:nvSpPr>
+          <p:cNvPr id="4" name="Slide Number Placeholder 3"/>
+          <p:cNvSpPr>
+            <a:spLocks noGrp="1"/>
+          </p:cNvSpPr>
+          <p:nvPr>
+            <p:ph type="sldNum" sz="quarter" idx="10"/>
+          </p:nvPr>
+        </p:nvSpPr>
+        <p:spPr/>
+        <p:txBody>
+          <a:bodyPr/>
+          <a:lstStyle/>
+          <a:p>
+            <a:fld id="{F8646707-6BBD-41A9-B4DF-0C76A73A2D2A}" type="slidenum">
+              <a:rPr lang="en-US" smtClean="0"/>
+              <a:t>4</a:t>
+            </a:fld>
+            <a:endParaRPr lang="en-US"/>
+          </a:p>
+        </p:txBody>
+      </p:sp>
+    </p:spTree>
+    <p:extLst>
+      <p:ext uri="{BB962C8B-B14F-4D97-AF65-F5344CB8AC3E}">
+        <p14:creationId xmlns:p14="http://schemas.microsoft.com/office/powerpoint/2010/main" val="1549059556"/>
+      </p:ext>
+    </p:extLst>
+  </p:cSld>
+  <p:clrMapOvr>
+    <a:masterClrMapping/>
+  </p:clrMapOvr>
+</p:notes>
+</file>
+
+<file path=ppt/notesSlides/notesSlide5.xml><?xml version="1.0" encoding="utf-8"?>
+<p:notes xmlns:a="http://schemas.openxmlformats.org/drawingml/2006/main" xmlns:r="http://schemas.openxmlformats.org/officeDocument/2006/relationships" xmlns:p="http://schemas.openxmlformats.org/presentationml/2006/main">
+  <p:cSld>
+    <p:spTree>
+      <p:nvGrpSpPr>
+        <p:cNvPr id="1" name=""/>
+        <p:cNvGrpSpPr/>
+        <p:nvPr/>
+      </p:nvGrpSpPr>
+      <p:grpSpPr>
+        <a:xfrm>
+          <a:off x="0" y="0"/>
+          <a:ext cx="0" cy="0"/>
+          <a:chOff x="0" y="0"/>
+          <a:chExt cx="0" cy="0"/>
+        </a:xfrm>
+      </p:grpSpPr>
+      <p:sp>
+        <p:nvSpPr>
+          <p:cNvPr id="2" name="Slide Image Placeholder 1"/>
+          <p:cNvSpPr>
+            <a:spLocks noGrp="1" noRot="1" noChangeAspect="1"/>
+          </p:cNvSpPr>
+          <p:nvPr>
+            <p:ph type="sldImg"/>
+          </p:nvPr>
+        </p:nvSpPr>
+        <p:spPr/>
+      </p:sp>
+      <p:sp>
+        <p:nvSpPr>
+          <p:cNvPr id="3" name="Notes Placeholder 2"/>
+          <p:cNvSpPr>
+            <a:spLocks noGrp="1"/>
+          </p:cNvSpPr>
+          <p:nvPr>
+            <p:ph type="body" idx="1"/>
+          </p:nvPr>
+        </p:nvSpPr>
+        <p:spPr/>
+        <p:txBody>
+          <a:bodyPr/>
+          <a:lstStyle/>
+          <a:p>
+            <a:r>
+              <a:rPr lang="en-US" dirty="0" smtClean="0"/>
+              <a:t>There are three main</a:t>
+            </a:r>
+            <a:r>
+              <a:rPr lang="en-US" baseline="0" dirty="0" smtClean="0"/>
+              <a:t> components for Functional Requirements. The staff portal is  means for trained medical staff to enter information about a patient. The user portal which is a means for the patient to upload information about themselves from a device, and a treatment service which decides the safety level of the patient's current treatment plan.</a:t>
+            </a:r>
+            <a:endParaRPr lang="en-US" dirty="0"/>
+          </a:p>
+        </p:txBody>
+      </p:sp>
+      <p:sp>
+        <p:nvSpPr>
+          <p:cNvPr id="4" name="Slide Number Placeholder 3"/>
+          <p:cNvSpPr>
+            <a:spLocks noGrp="1"/>
+          </p:cNvSpPr>
+          <p:nvPr>
+            <p:ph type="sldNum" sz="quarter" idx="10"/>
+          </p:nvPr>
+        </p:nvSpPr>
+        <p:spPr/>
+        <p:txBody>
+          <a:bodyPr/>
+          <a:lstStyle/>
+          <a:p>
+            <a:fld id="{F8646707-6BBD-41A9-B4DF-0C76A73A2D2A}" type="slidenum">
+              <a:rPr lang="en-US" smtClean="0"/>
+              <a:t>5</a:t>
+            </a:fld>
+            <a:endParaRPr lang="en-US"/>
+          </a:p>
+        </p:txBody>
+      </p:sp>
+    </p:spTree>
+    <p:extLst>
+      <p:ext uri="{BB962C8B-B14F-4D97-AF65-F5344CB8AC3E}">
+        <p14:creationId xmlns:p14="http://schemas.microsoft.com/office/powerpoint/2010/main" val="784164727"/>
+      </p:ext>
+    </p:extLst>
+  </p:cSld>
+  <p:clrMapOvr>
+    <a:masterClrMapping/>
+  </p:clrMapOvr>
+</p:notes>
+</file>
+
+<file path=ppt/notesSlides/notesSlide6.xml><?xml version="1.0" encoding="utf-8"?>
+<p:notes xmlns:a="http://schemas.openxmlformats.org/drawingml/2006/main" xmlns:r="http://schemas.openxmlformats.org/officeDocument/2006/relationships" xmlns:p="http://schemas.openxmlformats.org/presentationml/2006/main">
+  <p:cSld>
+    <p:spTree>
+      <p:nvGrpSpPr>
+        <p:cNvPr id="1" name=""/>
+        <p:cNvGrpSpPr/>
+        <p:nvPr/>
+      </p:nvGrpSpPr>
+      <p:grpSpPr>
+        <a:xfrm>
+          <a:off x="0" y="0"/>
+          <a:ext cx="0" cy="0"/>
+          <a:chOff x="0" y="0"/>
+          <a:chExt cx="0" cy="0"/>
+        </a:xfrm>
+      </p:grpSpPr>
+      <p:sp>
+        <p:nvSpPr>
+          <p:cNvPr id="2" name="Slide Image Placeholder 1"/>
+          <p:cNvSpPr>
+            <a:spLocks noGrp="1" noRot="1" noChangeAspect="1"/>
+          </p:cNvSpPr>
+          <p:nvPr>
+            <p:ph type="sldImg"/>
+          </p:nvPr>
+        </p:nvSpPr>
+        <p:spPr/>
+      </p:sp>
+      <p:sp>
+        <p:nvSpPr>
+          <p:cNvPr id="3" name="Notes Placeholder 2"/>
+          <p:cNvSpPr>
+            <a:spLocks noGrp="1"/>
+          </p:cNvSpPr>
+          <p:nvPr>
+            <p:ph type="body" idx="1"/>
+          </p:nvPr>
+        </p:nvSpPr>
+        <p:spPr/>
+        <p:txBody>
           <a:bodyPr>
             <a:normAutofit/>
           </a:bodyPr>
@@ -1025,7 +1344,7 @@
 </p:notes>
 </file>
 
-<file path=ppt/notesSlides/notesSlide4.xml><?xml version="1.0" encoding="utf-8"?>
+<file path=ppt/notesSlides/notesSlide7.xml><?xml version="1.0" encoding="utf-8"?>
 <p:notes xmlns:a="http://schemas.openxmlformats.org/drawingml/2006/main" xmlns:r="http://schemas.openxmlformats.org/officeDocument/2006/relationships" xmlns:p="http://schemas.openxmlformats.org/presentationml/2006/main">
   <p:cSld>
     <p:spTree>
@@ -5203,7 +5522,7 @@
       </p:sp>
       <p:pic>
         <p:nvPicPr>
-          <p:cNvPr id="4" name="Sound 3">
+          <p:cNvPr id="13" name="Sound 12">
             <a:hlinkClick r:id="" action="ppaction://media"/>
           </p:cNvPr>
           <p:cNvPicPr>
@@ -5244,12 +5563,12 @@
   </p:clrMapOvr>
   <mc:AlternateContent xmlns:mc="http://schemas.openxmlformats.org/markup-compatibility/2006">
     <mc:Choice xmlns:p14="http://schemas.microsoft.com/office/powerpoint/2010/main" Requires="p14">
-      <p:transition spd="slow" p14:dur="1600" advTm="7497">
+      <p:transition p14:dur="10" advClick="0" advTm="13000">
         <p:blinds dir="vert"/>
       </p:transition>
     </mc:Choice>
     <mc:Fallback>
-      <p:transition spd="slow" advTm="7497">
+      <p:transition advClick="0" advTm="13000">
         <p:blinds dir="vert"/>
       </p:transition>
     </mc:Fallback>
@@ -5287,7 +5606,7 @@
                                       <p:cBhvr>
                                         <p:cTn id="6" dur="1" fill="hold"/>
                                         <p:tgtEl>
-                                          <p:spTgt spid="4"/>
+                                          <p:spTgt spid="13"/>
                                         </p:tgtEl>
                                       </p:cBhvr>
                                     </p:cmd>
@@ -5332,7 +5651,7 @@
                   </p:endCondLst>
                 </p:cTn>
                 <p:tgtEl>
-                  <p:spTgt spid="4"/>
+                  <p:spTgt spid="13"/>
                 </p:tgtEl>
               </p:cMediaNode>
             </p:audio>
@@ -5842,7 +6161,7 @@
           <p:nvPr/>
         </p:nvPicPr>
         <p:blipFill>
-          <a:blip r:embed="rId4">
+          <a:blip r:embed="rId6">
             <a:extLst>
               <a:ext uri="{28A0092B-C50C-407E-A947-70E740481C1C}">
                 <a14:useLocalDpi xmlns:a14="http://schemas.microsoft.com/office/drawing/2010/main" val="0"/>
@@ -5863,6 +6182,39 @@
           </a:prstGeom>
         </p:spPr>
       </p:pic>
+      <p:pic>
+        <p:nvPicPr>
+          <p:cNvPr id="9" name="Sound 8">
+            <a:hlinkClick r:id="" action="ppaction://media"/>
+          </p:cNvPr>
+          <p:cNvPicPr>
+            <a:picLocks noChangeAspect="1"/>
+          </p:cNvPicPr>
+          <p:nvPr>
+            <a:audioFile r:link="rId3"/>
+            <p:extLst>
+              <p:ext uri="{DAA4B4D4-6D71-4841-9C94-3DE7FCFB9230}">
+                <p14:media xmlns:p14="http://schemas.microsoft.com/office/powerpoint/2010/main" r:embed="rId2"/>
+              </p:ext>
+            </p:extLst>
+          </p:nvPr>
+        </p:nvPicPr>
+        <p:blipFill>
+          <a:blip r:embed="rId7"/>
+          <a:stretch>
+            <a:fillRect/>
+          </a:stretch>
+        </p:blipFill>
+        <p:spPr>
+          <a:xfrm>
+            <a:off x="8178800" y="5892800"/>
+            <a:ext cx="812800" cy="812800"/>
+          </a:xfrm>
+          <a:prstGeom prst="rect">
+            <a:avLst/>
+          </a:prstGeom>
+        </p:spPr>
+      </p:pic>
     </p:spTree>
     <p:custDataLst>
       <p:tags r:id="rId1"/>
@@ -5871,13 +6223,93 @@
   <p:clrMapOvr>
     <a:masterClrMapping/>
   </p:clrMapOvr>
-  <p:transition spd="slow" advTm="32316">
+  <p:transition advTm="33000">
     <p:fade/>
   </p:transition>
   <p:timing>
     <p:tnLst>
       <p:par>
-        <p:cTn id="1" dur="indefinite" restart="never" nodeType="tmRoot"/>
+        <p:cTn id="1" dur="indefinite" restart="never" nodeType="tmRoot">
+          <p:childTnLst>
+            <p:seq concurrent="1" nextAc="seek">
+              <p:cTn id="2" dur="indefinite" nodeType="mainSeq">
+                <p:childTnLst>
+                  <p:par>
+                    <p:cTn id="3" fill="hold">
+                      <p:stCondLst>
+                        <p:cond delay="indefinite"/>
+                        <p:cond evt="onBegin" delay="0">
+                          <p:tn val="2"/>
+                        </p:cond>
+                      </p:stCondLst>
+                      <p:childTnLst>
+                        <p:par>
+                          <p:cTn id="4" fill="hold">
+                            <p:stCondLst>
+                              <p:cond delay="0"/>
+                            </p:stCondLst>
+                            <p:childTnLst>
+                              <p:par>
+                                <p:cTn id="5" presetID="1" presetClass="mediacall" presetSubtype="0" fill="hold" nodeType="afterEffect">
+                                  <p:stCondLst>
+                                    <p:cond delay="0"/>
+                                  </p:stCondLst>
+                                  <p:childTnLst>
+                                    <p:cmd type="call" cmd="playFrom(0.0)">
+                                      <p:cBhvr>
+                                        <p:cTn id="6" dur="1" fill="hold"/>
+                                        <p:tgtEl>
+                                          <p:spTgt spid="9"/>
+                                        </p:tgtEl>
+                                      </p:cBhvr>
+                                    </p:cmd>
+                                  </p:childTnLst>
+                                </p:cTn>
+                              </p:par>
+                            </p:childTnLst>
+                          </p:cTn>
+                        </p:par>
+                      </p:childTnLst>
+                    </p:cTn>
+                  </p:par>
+                </p:childTnLst>
+              </p:cTn>
+              <p:prevCondLst>
+                <p:cond evt="onPrev" delay="0">
+                  <p:tgtEl>
+                    <p:sldTgt/>
+                  </p:tgtEl>
+                </p:cond>
+              </p:prevCondLst>
+              <p:nextCondLst>
+                <p:cond evt="onNext" delay="0">
+                  <p:tgtEl>
+                    <p:sldTgt/>
+                  </p:tgtEl>
+                </p:cond>
+              </p:nextCondLst>
+            </p:seq>
+            <p:audio isNarration="1">
+              <p:cMediaNode vol="80000" showWhenStopped="0">
+                <p:cTn id="7" fill="hold" display="0">
+                  <p:stCondLst>
+                    <p:cond delay="indefinite"/>
+                  </p:stCondLst>
+                  <p:endCondLst>
+                    <p:cond evt="onStopAudio" delay="0">
+                      <p:tgtEl>
+                        <p:sldTgt/>
+                      </p:tgtEl>
+                    </p:cond>
+                  </p:endCondLst>
+                </p:cTn>
+                <p:tgtEl>
+                  <p:spTgt spid="9"/>
+                </p:tgtEl>
+              </p:cMediaNode>
+            </p:audio>
+          </p:childTnLst>
+        </p:cTn>
       </p:par>
     </p:tnLst>
   </p:timing>
@@ -7598,6 +8030,39 @@
           </a:p>
         </p:txBody>
       </p:sp>
+      <p:pic>
+        <p:nvPicPr>
+          <p:cNvPr id="13" name="Sound 12">
+            <a:hlinkClick r:id="" action="ppaction://media"/>
+          </p:cNvPr>
+          <p:cNvPicPr>
+            <a:picLocks noChangeAspect="1"/>
+          </p:cNvPicPr>
+          <p:nvPr>
+            <a:audioFile r:link="rId2"/>
+            <p:extLst>
+              <p:ext uri="{DAA4B4D4-6D71-4841-9C94-3DE7FCFB9230}">
+                <p14:media xmlns:p14="http://schemas.microsoft.com/office/powerpoint/2010/main" r:embed="rId1"/>
+              </p:ext>
+            </p:extLst>
+          </p:nvPr>
+        </p:nvPicPr>
+        <p:blipFill>
+          <a:blip r:embed="rId5"/>
+          <a:stretch>
+            <a:fillRect/>
+          </a:stretch>
+        </p:blipFill>
+        <p:spPr>
+          <a:xfrm>
+            <a:off x="8178800" y="5892800"/>
+            <a:ext cx="812800" cy="812800"/>
+          </a:xfrm>
+          <a:prstGeom prst="rect">
+            <a:avLst/>
+          </a:prstGeom>
+        </p:spPr>
+      </p:pic>
     </p:spTree>
     <p:extLst>
       <p:ext uri="{BB962C8B-B14F-4D97-AF65-F5344CB8AC3E}">
@@ -7608,13 +8073,93 @@
   <p:clrMapOvr>
     <a:masterClrMapping/>
   </p:clrMapOvr>
-  <p:transition spd="slow">
+  <p:transition spd="slow" advTm="49784">
     <p:fade/>
   </p:transition>
   <p:timing>
     <p:tnLst>
       <p:par>
-        <p:cTn id="1" dur="indefinite" restart="never" nodeType="tmRoot"/>
+        <p:cTn id="1" dur="indefinite" restart="never" nodeType="tmRoot">
+          <p:childTnLst>
+            <p:seq concurrent="1" nextAc="seek">
+              <p:cTn id="2" dur="indefinite" nodeType="mainSeq">
+                <p:childTnLst>
+                  <p:par>
+                    <p:cTn id="3" fill="hold">
+                      <p:stCondLst>
+                        <p:cond delay="indefinite"/>
+                        <p:cond evt="onBegin" delay="0">
+                          <p:tn val="2"/>
+                        </p:cond>
+                      </p:stCondLst>
+                      <p:childTnLst>
+                        <p:par>
+                          <p:cTn id="4" fill="hold">
+                            <p:stCondLst>
+                              <p:cond delay="0"/>
+                            </p:stCondLst>
+                            <p:childTnLst>
+                              <p:par>
+                                <p:cTn id="5" presetID="1" presetClass="mediacall" presetSubtype="0" fill="hold" nodeType="afterEffect">
+                                  <p:stCondLst>
+                                    <p:cond delay="0"/>
+                                  </p:stCondLst>
+                                  <p:childTnLst>
+                                    <p:cmd type="call" cmd="playFrom(0.0)">
+                                      <p:cBhvr>
+                                        <p:cTn id="6" dur="1" fill="hold"/>
+                                        <p:tgtEl>
+                                          <p:spTgt spid="13"/>
+                                        </p:tgtEl>
+                                      </p:cBhvr>
+                                    </p:cmd>
+                                  </p:childTnLst>
+                                </p:cTn>
+                              </p:par>
+                            </p:childTnLst>
+                          </p:cTn>
+                        </p:par>
+                      </p:childTnLst>
+                    </p:cTn>
+                  </p:par>
+                </p:childTnLst>
+              </p:cTn>
+              <p:prevCondLst>
+                <p:cond evt="onPrev" delay="0">
+                  <p:tgtEl>
+                    <p:sldTgt/>
+                  </p:tgtEl>
+                </p:cond>
+              </p:prevCondLst>
+              <p:nextCondLst>
+                <p:cond evt="onNext" delay="0">
+                  <p:tgtEl>
+                    <p:sldTgt/>
+                  </p:tgtEl>
+                </p:cond>
+              </p:nextCondLst>
+            </p:seq>
+            <p:audio isNarration="1">
+              <p:cMediaNode vol="80000" showWhenStopped="0">
+                <p:cTn id="7" fill="hold" display="0">
+                  <p:stCondLst>
+                    <p:cond delay="indefinite"/>
+                  </p:stCondLst>
+                  <p:endCondLst>
+                    <p:cond evt="onStopAudio" delay="0">
+                      <p:tgtEl>
+                        <p:sldTgt/>
+                      </p:tgtEl>
+                    </p:cond>
+                  </p:endCondLst>
+                </p:cTn>
+                <p:tgtEl>
+                  <p:spTgt spid="13"/>
+                </p:tgtEl>
+              </p:cMediaNode>
+            </p:audio>
+          </p:childTnLst>
+        </p:cTn>
       </p:par>
     </p:tnLst>
   </p:timing>
@@ -8021,6 +8566,39 @@
           </a:graphicData>
         </a:graphic>
       </p:graphicFrame>
+      <p:pic>
+        <p:nvPicPr>
+          <p:cNvPr id="5" name="Sound 4">
+            <a:hlinkClick r:id="" action="ppaction://media"/>
+          </p:cNvPr>
+          <p:cNvPicPr>
+            <a:picLocks noChangeAspect="1"/>
+          </p:cNvPicPr>
+          <p:nvPr>
+            <a:audioFile r:link="rId2"/>
+            <p:extLst>
+              <p:ext uri="{DAA4B4D4-6D71-4841-9C94-3DE7FCFB9230}">
+                <p14:media xmlns:p14="http://schemas.microsoft.com/office/powerpoint/2010/main" r:embed="rId1"/>
+              </p:ext>
+            </p:extLst>
+          </p:nvPr>
+        </p:nvPicPr>
+        <p:blipFill>
+          <a:blip r:embed="rId5"/>
+          <a:stretch>
+            <a:fillRect/>
+          </a:stretch>
+        </p:blipFill>
+        <p:spPr>
+          <a:xfrm>
+            <a:off x="8178800" y="5892800"/>
+            <a:ext cx="812800" cy="812800"/>
+          </a:xfrm>
+          <a:prstGeom prst="rect">
+            <a:avLst/>
+          </a:prstGeom>
+        </p:spPr>
+      </p:pic>
     </p:spTree>
     <p:extLst>
       <p:ext uri="{BB962C8B-B14F-4D97-AF65-F5344CB8AC3E}">
@@ -8031,13 +8609,93 @@
   <p:clrMapOvr>
     <a:masterClrMapping/>
   </p:clrMapOvr>
-  <p:transition spd="slow">
+  <p:transition spd="slow" advTm="38484">
     <p:fade/>
   </p:transition>
   <p:timing>
     <p:tnLst>
       <p:par>
-        <p:cTn id="1" dur="indefinite" restart="never" nodeType="tmRoot"/>
+        <p:cTn id="1" dur="indefinite" restart="never" nodeType="tmRoot">
+          <p:childTnLst>
+            <p:seq concurrent="1" nextAc="seek">
+              <p:cTn id="2" dur="indefinite" nodeType="mainSeq">
+                <p:childTnLst>
+                  <p:par>
+                    <p:cTn id="3" fill="hold">
+                      <p:stCondLst>
+                        <p:cond delay="indefinite"/>
+                        <p:cond evt="onBegin" delay="0">
+                          <p:tn val="2"/>
+                        </p:cond>
+                      </p:stCondLst>
+                      <p:childTnLst>
+                        <p:par>
+                          <p:cTn id="4" fill="hold">
+                            <p:stCondLst>
+                              <p:cond delay="0"/>
+                            </p:stCondLst>
+                            <p:childTnLst>
+                              <p:par>
+                                <p:cTn id="5" presetID="1" presetClass="mediacall" presetSubtype="0" fill="hold" nodeType="afterEffect">
+                                  <p:stCondLst>
+                                    <p:cond delay="0"/>
+                                  </p:stCondLst>
+                                  <p:childTnLst>
+                                    <p:cmd type="call" cmd="playFrom(0.0)">
+                                      <p:cBhvr>
+                                        <p:cTn id="6" dur="1" fill="hold"/>
+                                        <p:tgtEl>
+                                          <p:spTgt spid="5"/>
+                                        </p:tgtEl>
+                                      </p:cBhvr>
+                                    </p:cmd>
+                                  </p:childTnLst>
+                                </p:cTn>
+                              </p:par>
+                            </p:childTnLst>
+                          </p:cTn>
+                        </p:par>
+                      </p:childTnLst>
+                    </p:cTn>
+                  </p:par>
+                </p:childTnLst>
+              </p:cTn>
+              <p:prevCondLst>
+                <p:cond evt="onPrev" delay="0">
+                  <p:tgtEl>
+                    <p:sldTgt/>
+                  </p:tgtEl>
+                </p:cond>
+              </p:prevCondLst>
+              <p:nextCondLst>
+                <p:cond evt="onNext" delay="0">
+                  <p:tgtEl>
+                    <p:sldTgt/>
+                  </p:tgtEl>
+                </p:cond>
+              </p:nextCondLst>
+            </p:seq>
+            <p:audio isNarration="1">
+              <p:cMediaNode vol="80000" showWhenStopped="0">
+                <p:cTn id="7" fill="hold" display="0">
+                  <p:stCondLst>
+                    <p:cond delay="indefinite"/>
+                  </p:stCondLst>
+                  <p:endCondLst>
+                    <p:cond evt="onStopAudio" delay="0">
+                      <p:tgtEl>
+                        <p:sldTgt/>
+                      </p:tgtEl>
+                    </p:cond>
+                  </p:endCondLst>
+                </p:cTn>
+                <p:tgtEl>
+                  <p:spTgt spid="5"/>
+                </p:tgtEl>
+              </p:cMediaNode>
+            </p:audio>
+          </p:childTnLst>
+        </p:cTn>
       </p:par>
     </p:tnLst>
   </p:timing>
@@ -8140,9 +8798,12 @@
           <a:p>
             <a:r>
               <a:rPr lang="en-US" dirty="0"/>
-              <a:t>page to assign treatments/medications to a user ** should use service to calculate treatment risks and throw errors accordingly ** should show </a:t>
-            </a:r>
-            <a:endParaRPr lang="en-US" dirty="0" smtClean="0"/>
+              <a:t>page to assign treatments/medications to a user </a:t>
+            </a:r>
+            <a:r>
+              <a:rPr lang="en-US" dirty="0" smtClean="0"/>
+              <a:t> </a:t>
+            </a:r>
           </a:p>
           <a:p>
             <a:pPr marL="0" indent="0">
@@ -8150,17 +8811,17 @@
             </a:pPr>
             <a:r>
               <a:rPr lang="en-US" sz="2900" b="1" dirty="0" smtClean="0"/>
-              <a:t>User </a:t>
-            </a:r>
-            <a:r>
-              <a:rPr lang="en-US" sz="2900" b="1" dirty="0"/>
-              <a:t>Portal</a:t>
-            </a:r>
-          </a:p>
-          <a:p>
+              <a:t>User Portal</a:t>
+            </a:r>
+          </a:p>
+          <a:p>
+            <a:r>
+              <a:rPr lang="en-US" dirty="0" smtClean="0"/>
+              <a:t>page </a:t>
+            </a:r>
             <a:r>
               <a:rPr lang="en-US" dirty="0"/>
-              <a:t>page to port dietary data from </a:t>
+              <a:t>to port dietary data from </a:t>
             </a:r>
             <a:r>
               <a:rPr lang="en-US" dirty="0" err="1"/>
@@ -8192,8 +8853,13 @@
           <a:p>
             <a:r>
               <a:rPr lang="en-US" dirty="0"/>
-              <a:t>Service should take in patient data (no saving), allergy info, history, and treatment regime and return warnings if treatments will cause issues. This includes IV medication timings, prescription interactions, and interactions.</a:t>
-            </a:r>
+              <a:t>Service should take in patient data (no saving), allergy info, history, and treatment regime and return warnings if treatments will cause issues. This includes IV medication timings, </a:t>
+            </a:r>
+            <a:r>
+              <a:rPr lang="en-US" dirty="0" smtClean="0"/>
+              <a:t>and prescription interactions.</a:t>
+            </a:r>
+            <a:endParaRPr lang="en-US" dirty="0"/>
           </a:p>
           <a:p>
             <a:r>
@@ -8206,6 +8872,39 @@
           </a:p>
         </p:txBody>
       </p:sp>
+      <p:pic>
+        <p:nvPicPr>
+          <p:cNvPr id="5" name="Sound 4">
+            <a:hlinkClick r:id="" action="ppaction://media"/>
+          </p:cNvPr>
+          <p:cNvPicPr>
+            <a:picLocks noChangeAspect="1"/>
+          </p:cNvPicPr>
+          <p:nvPr>
+            <a:audioFile r:link="rId2"/>
+            <p:extLst>
+              <p:ext uri="{DAA4B4D4-6D71-4841-9C94-3DE7FCFB9230}">
+                <p14:media xmlns:p14="http://schemas.microsoft.com/office/powerpoint/2010/main" r:embed="rId1"/>
+              </p:ext>
+            </p:extLst>
+          </p:nvPr>
+        </p:nvPicPr>
+        <p:blipFill>
+          <a:blip r:embed="rId5"/>
+          <a:stretch>
+            <a:fillRect/>
+          </a:stretch>
+        </p:blipFill>
+        <p:spPr>
+          <a:xfrm>
+            <a:off x="8178800" y="5892800"/>
+            <a:ext cx="812800" cy="812800"/>
+          </a:xfrm>
+          <a:prstGeom prst="rect">
+            <a:avLst/>
+          </a:prstGeom>
+        </p:spPr>
+      </p:pic>
     </p:spTree>
     <p:extLst>
       <p:ext uri="{BB962C8B-B14F-4D97-AF65-F5344CB8AC3E}">
@@ -8216,13 +8915,93 @@
   <p:clrMapOvr>
     <a:masterClrMapping/>
   </p:clrMapOvr>
-  <p:transition spd="slow">
+  <p:transition spd="slow" advTm="22667">
     <p:fade/>
   </p:transition>
   <p:timing>
     <p:tnLst>
       <p:par>
-        <p:cTn id="1" dur="indefinite" restart="never" nodeType="tmRoot"/>
+        <p:cTn id="1" dur="indefinite" restart="never" nodeType="tmRoot">
+          <p:childTnLst>
+            <p:seq concurrent="1" nextAc="seek">
+              <p:cTn id="2" dur="indefinite" nodeType="mainSeq">
+                <p:childTnLst>
+                  <p:par>
+                    <p:cTn id="3" fill="hold">
+                      <p:stCondLst>
+                        <p:cond delay="indefinite"/>
+                        <p:cond evt="onBegin" delay="0">
+                          <p:tn val="2"/>
+                        </p:cond>
+                      </p:stCondLst>
+                      <p:childTnLst>
+                        <p:par>
+                          <p:cTn id="4" fill="hold">
+                            <p:stCondLst>
+                              <p:cond delay="0"/>
+                            </p:stCondLst>
+                            <p:childTnLst>
+                              <p:par>
+                                <p:cTn id="5" presetID="1" presetClass="mediacall" presetSubtype="0" fill="hold" nodeType="afterEffect">
+                                  <p:stCondLst>
+                                    <p:cond delay="0"/>
+                                  </p:stCondLst>
+                                  <p:childTnLst>
+                                    <p:cmd type="call" cmd="playFrom(0.0)">
+                                      <p:cBhvr>
+                                        <p:cTn id="6" dur="1" fill="hold"/>
+                                        <p:tgtEl>
+                                          <p:spTgt spid="5"/>
+                                        </p:tgtEl>
+                                      </p:cBhvr>
+                                    </p:cmd>
+                                  </p:childTnLst>
+                                </p:cTn>
+                              </p:par>
+                            </p:childTnLst>
+                          </p:cTn>
+                        </p:par>
+                      </p:childTnLst>
+                    </p:cTn>
+                  </p:par>
+                </p:childTnLst>
+              </p:cTn>
+              <p:prevCondLst>
+                <p:cond evt="onPrev" delay="0">
+                  <p:tgtEl>
+                    <p:sldTgt/>
+                  </p:tgtEl>
+                </p:cond>
+              </p:prevCondLst>
+              <p:nextCondLst>
+                <p:cond evt="onNext" delay="0">
+                  <p:tgtEl>
+                    <p:sldTgt/>
+                  </p:tgtEl>
+                </p:cond>
+              </p:nextCondLst>
+            </p:seq>
+            <p:audio isNarration="1">
+              <p:cMediaNode vol="80000" showWhenStopped="0">
+                <p:cTn id="7" fill="hold" display="0">
+                  <p:stCondLst>
+                    <p:cond delay="indefinite"/>
+                  </p:stCondLst>
+                  <p:endCondLst>
+                    <p:cond evt="onStopAudio" delay="0">
+                      <p:tgtEl>
+                        <p:sldTgt/>
+                      </p:tgtEl>
+                    </p:cond>
+                  </p:endCondLst>
+                </p:cTn>
+                <p:tgtEl>
+                  <p:spTgt spid="5"/>
+                </p:tgtEl>
+              </p:cMediaNode>
+            </p:audio>
+          </p:childTnLst>
+        </p:cTn>
       </p:par>
     </p:tnLst>
   </p:timing>
@@ -8312,12 +9091,12 @@
               <a:t>Web </a:t>
             </a:r>
             <a:r>
-              <a:rPr lang="en-US" sz="1600" dirty="0" err="1"/>
-              <a:t>Api</a:t>
+              <a:rPr lang="en-US" sz="1600" dirty="0" smtClean="0"/>
+              <a:t>API </a:t>
             </a:r>
             <a:r>
               <a:rPr lang="en-US" sz="1600" dirty="0"/>
-              <a:t> 2.1</a:t>
+              <a:t>2.1</a:t>
             </a:r>
           </a:p>
           <a:p>
@@ -8347,8 +9126,12 @@
           </a:p>
           <a:p>
             <a:r>
-              <a:rPr lang="en-US" sz="1600" dirty="0" err="1"/>
-              <a:t>Jquery</a:t>
+              <a:rPr lang="en-US" sz="1600" dirty="0"/>
+              <a:t>j</a:t>
+            </a:r>
+            <a:r>
+              <a:rPr lang="en-US" sz="1600" dirty="0" smtClean="0"/>
+              <a:t>Query</a:t>
             </a:r>
             <a:endParaRPr lang="en-US" sz="1600" dirty="0"/>
           </a:p>
@@ -8360,6 +9143,39 @@
           </a:p>
         </p:txBody>
       </p:sp>
+      <p:pic>
+        <p:nvPicPr>
+          <p:cNvPr id="4" name="Sound 3">
+            <a:hlinkClick r:id="" action="ppaction://media"/>
+          </p:cNvPr>
+          <p:cNvPicPr>
+            <a:picLocks noChangeAspect="1"/>
+          </p:cNvPicPr>
+          <p:nvPr>
+            <a:audioFile r:link="rId2"/>
+            <p:extLst>
+              <p:ext uri="{DAA4B4D4-6D71-4841-9C94-3DE7FCFB9230}">
+                <p14:media xmlns:p14="http://schemas.microsoft.com/office/powerpoint/2010/main" r:embed="rId1"/>
+              </p:ext>
+            </p:extLst>
+          </p:nvPr>
+        </p:nvPicPr>
+        <p:blipFill>
+          <a:blip r:embed="rId4"/>
+          <a:stretch>
+            <a:fillRect/>
+          </a:stretch>
+        </p:blipFill>
+        <p:spPr>
+          <a:xfrm>
+            <a:off x="8178800" y="5892800"/>
+            <a:ext cx="812800" cy="812800"/>
+          </a:xfrm>
+          <a:prstGeom prst="rect">
+            <a:avLst/>
+          </a:prstGeom>
+        </p:spPr>
+      </p:pic>
     </p:spTree>
     <p:extLst>
       <p:ext uri="{BB962C8B-B14F-4D97-AF65-F5344CB8AC3E}">
@@ -8370,9 +9186,96 @@
   <p:clrMapOvr>
     <a:masterClrMapping/>
   </p:clrMapOvr>
-  <p:transition spd="slow">
+  <p:transition spd="slow" advTm="21049">
     <p:fade/>
   </p:transition>
+  <p:timing>
+    <p:tnLst>
+      <p:par>
+        <p:cTn id="1" dur="indefinite" restart="never" nodeType="tmRoot">
+          <p:childTnLst>
+            <p:seq concurrent="1" nextAc="seek">
+              <p:cTn id="2" dur="indefinite" nodeType="mainSeq">
+                <p:childTnLst>
+                  <p:par>
+                    <p:cTn id="3" fill="hold">
+                      <p:stCondLst>
+                        <p:cond delay="indefinite"/>
+                        <p:cond evt="onBegin" delay="0">
+                          <p:tn val="2"/>
+                        </p:cond>
+                      </p:stCondLst>
+                      <p:childTnLst>
+                        <p:par>
+                          <p:cTn id="4" fill="hold">
+                            <p:stCondLst>
+                              <p:cond delay="0"/>
+                            </p:stCondLst>
+                            <p:childTnLst>
+                              <p:par>
+                                <p:cTn id="5" presetID="1" presetClass="mediacall" presetSubtype="0" fill="hold" nodeType="afterEffect">
+                                  <p:stCondLst>
+                                    <p:cond delay="0"/>
+                                  </p:stCondLst>
+                                  <p:childTnLst>
+                                    <p:cmd type="call" cmd="playFrom(0.0)">
+                                      <p:cBhvr>
+                                        <p:cTn id="6" dur="1" fill="hold"/>
+                                        <p:tgtEl>
+                                          <p:spTgt spid="4"/>
+                                        </p:tgtEl>
+                                      </p:cBhvr>
+                                    </p:cmd>
+                                  </p:childTnLst>
+                                </p:cTn>
+                              </p:par>
+                            </p:childTnLst>
+                          </p:cTn>
+                        </p:par>
+                      </p:childTnLst>
+                    </p:cTn>
+                  </p:par>
+                </p:childTnLst>
+              </p:cTn>
+              <p:prevCondLst>
+                <p:cond evt="onPrev" delay="0">
+                  <p:tgtEl>
+                    <p:sldTgt/>
+                  </p:tgtEl>
+                </p:cond>
+              </p:prevCondLst>
+              <p:nextCondLst>
+                <p:cond evt="onNext" delay="0">
+                  <p:tgtEl>
+                    <p:sldTgt/>
+                  </p:tgtEl>
+                </p:cond>
+              </p:nextCondLst>
+            </p:seq>
+            <p:audio isNarration="1">
+              <p:cMediaNode vol="80000" showWhenStopped="0">
+                <p:cTn id="7" fill="hold" display="0">
+                  <p:stCondLst>
+                    <p:cond delay="indefinite"/>
+                  </p:stCondLst>
+                  <p:endCondLst>
+                    <p:cond evt="onStopAudio" delay="0">
+                      <p:tgtEl>
+                        <p:sldTgt/>
+                      </p:tgtEl>
+                    </p:cond>
+                  </p:endCondLst>
+                </p:cTn>
+                <p:tgtEl>
+                  <p:spTgt spid="4"/>
+                </p:tgtEl>
+              </p:cMediaNode>
+            </p:audio>
+          </p:childTnLst>
+        </p:cTn>
+      </p:par>
+    </p:tnLst>
+  </p:timing>
 </p:sld>
 </file>
 
@@ -8647,6 +9550,13 @@
   <p:transition spd="slow">
     <p:fade/>
   </p:transition>
+  <p:timing>
+    <p:tnLst>
+      <p:par>
+        <p:cTn id="1" dur="indefinite" restart="never" nodeType="tmRoot"/>
+      </p:par>
+    </p:tnLst>
+  </p:timing>
 </p:sld>
 </file>
 
@@ -8730,9 +9640,16 @@
   <p:clrMapOvr>
     <a:masterClrMapping/>
   </p:clrMapOvr>
-  <p:transition spd="slow">
+  <p:transition spd="slow" advTm="2837">
     <p:fade/>
   </p:transition>
+  <p:timing>
+    <p:tnLst>
+      <p:par>
+        <p:cTn id="1" dur="indefinite" restart="never" nodeType="tmRoot"/>
+      </p:par>
+    </p:tnLst>
+  </p:timing>
 </p:sld>
 </file>
 
@@ -8880,6 +9797,39 @@
           </a:p>
         </p:txBody>
       </p:sp>
+      <p:pic>
+        <p:nvPicPr>
+          <p:cNvPr id="3" name="Sound 2">
+            <a:hlinkClick r:id="" action="ppaction://media"/>
+          </p:cNvPr>
+          <p:cNvPicPr>
+            <a:picLocks noChangeAspect="1"/>
+          </p:cNvPicPr>
+          <p:nvPr>
+            <a:audioFile r:link="rId4"/>
+            <p:extLst>
+              <p:ext uri="{DAA4B4D4-6D71-4841-9C94-3DE7FCFB9230}">
+                <p14:media xmlns:p14="http://schemas.microsoft.com/office/powerpoint/2010/main" r:embed="rId3"/>
+              </p:ext>
+            </p:extLst>
+          </p:nvPr>
+        </p:nvPicPr>
+        <p:blipFill>
+          <a:blip r:embed="rId7"/>
+          <a:stretch>
+            <a:fillRect/>
+          </a:stretch>
+        </p:blipFill>
+        <p:spPr>
+          <a:xfrm>
+            <a:off x="8178800" y="5892800"/>
+            <a:ext cx="812800" cy="812800"/>
+          </a:xfrm>
+          <a:prstGeom prst="rect">
+            <a:avLst/>
+          </a:prstGeom>
+        </p:spPr>
+      </p:pic>
     </p:spTree>
     <p:custDataLst>
       <p:tags r:id="rId1"/>
@@ -8888,13 +9838,93 @@
   <p:clrMapOvr>
     <a:masterClrMapping/>
   </p:clrMapOvr>
-  <p:transition spd="slow">
+  <p:transition spd="slow" advTm="9568">
     <p:fade/>
   </p:transition>
   <p:timing>
     <p:tnLst>
       <p:par>
-        <p:cTn id="1" dur="indefinite" restart="never" nodeType="tmRoot"/>
+        <p:cTn id="1" dur="indefinite" restart="never" nodeType="tmRoot">
+          <p:childTnLst>
+            <p:seq concurrent="1" nextAc="seek">
+              <p:cTn id="2" dur="indefinite" nodeType="mainSeq">
+                <p:childTnLst>
+                  <p:par>
+                    <p:cTn id="3" fill="hold">
+                      <p:stCondLst>
+                        <p:cond delay="indefinite"/>
+                        <p:cond evt="onBegin" delay="0">
+                          <p:tn val="2"/>
+                        </p:cond>
+                      </p:stCondLst>
+                      <p:childTnLst>
+                        <p:par>
+                          <p:cTn id="4" fill="hold">
+                            <p:stCondLst>
+                              <p:cond delay="0"/>
+                            </p:stCondLst>
+                            <p:childTnLst>
+                              <p:par>
+                                <p:cTn id="5" presetID="1" presetClass="mediacall" presetSubtype="0" fill="hold" nodeType="afterEffect">
+                                  <p:stCondLst>
+                                    <p:cond delay="0"/>
+                                  </p:stCondLst>
+                                  <p:childTnLst>
+                                    <p:cmd type="call" cmd="playFrom(0.0)">
+                                      <p:cBhvr>
+                                        <p:cTn id="6" dur="1" fill="hold"/>
+                                        <p:tgtEl>
+                                          <p:spTgt spid="3"/>
+                                        </p:tgtEl>
+                                      </p:cBhvr>
+                                    </p:cmd>
+                                  </p:childTnLst>
+                                </p:cTn>
+                              </p:par>
+                            </p:childTnLst>
+                          </p:cTn>
+                        </p:par>
+                      </p:childTnLst>
+                    </p:cTn>
+                  </p:par>
+                </p:childTnLst>
+              </p:cTn>
+              <p:prevCondLst>
+                <p:cond evt="onPrev" delay="0">
+                  <p:tgtEl>
+                    <p:sldTgt/>
+                  </p:tgtEl>
+                </p:cond>
+              </p:prevCondLst>
+              <p:nextCondLst>
+                <p:cond evt="onNext" delay="0">
+                  <p:tgtEl>
+                    <p:sldTgt/>
+                  </p:tgtEl>
+                </p:cond>
+              </p:nextCondLst>
+            </p:seq>
+            <p:audio isNarration="1">
+              <p:cMediaNode vol="80000" showWhenStopped="0">
+                <p:cTn id="7" fill="hold" display="0">
+                  <p:stCondLst>
+                    <p:cond delay="indefinite"/>
+                  </p:stCondLst>
+                  <p:endCondLst>
+                    <p:cond evt="onStopAudio" delay="0">
+                      <p:tgtEl>
+                        <p:sldTgt/>
+                      </p:tgtEl>
+                    </p:cond>
+                  </p:endCondLst>
+                </p:cTn>
+                <p:tgtEl>
+                  <p:spTgt spid="3"/>
+                </p:tgtEl>
+              </p:cMediaNode>
+            </p:audio>
+          </p:childTnLst>
+        </p:cTn>
       </p:par>
     </p:tnLst>
   </p:timing>
